--- a/Capstone Project.pptx
+++ b/Capstone Project.pptx
@@ -112,6 +112,11 @@
       </a:defRPr>
     </a:lvl9pPr>
   </p:defaultTextStyle>
+  <p:extLst>
+    <p:ext uri="{EFAFB233-063F-42B5-8137-9DF3F51BA10A}">
+      <p15:sldGuideLst xmlns:p15="http://schemas.microsoft.com/office/powerpoint/2012/main"/>
+    </p:ext>
+  </p:extLst>
 </p:presentation>
 </file>
 
@@ -165,7 +170,7 @@
           <a:noFill/>
           <a:extLst>
             <a:ext uri="{909E8E84-426E-40dd-AFC4-6F175D3DCCD1}">
-              <a14:hiddenFill xmlns:a14="http://schemas.microsoft.com/office/drawing/2010/main" xmlns="">
+              <a14:hiddenFill xmlns="" xmlns:a14="http://schemas.microsoft.com/office/drawing/2010/main">
                 <a:solidFill>
                   <a:srgbClr val="FFFFFF"/>
                 </a:solidFill>
@@ -225,7 +230,7 @@
             </a:ln>
             <a:extLst>
               <a:ext uri="{91240B29-F687-4f45-9708-019B960494DF}">
-                <a14:hiddenLine xmlns:a14="http://schemas.microsoft.com/office/drawing/2010/main" xmlns="" w="9525">
+                <a14:hiddenLine xmlns="" xmlns:a14="http://schemas.microsoft.com/office/drawing/2010/main" w="9525">
                   <a:solidFill>
                     <a:srgbClr val="000000"/>
                   </a:solidFill>
@@ -315,7 +320,7 @@
             </a:ln>
             <a:extLst>
               <a:ext uri="{91240B29-F687-4f45-9708-019B960494DF}">
-                <a14:hiddenLine xmlns:a14="http://schemas.microsoft.com/office/drawing/2010/main" xmlns="" w="9525">
+                <a14:hiddenLine xmlns="" xmlns:a14="http://schemas.microsoft.com/office/drawing/2010/main" w="9525">
                   <a:solidFill>
                     <a:srgbClr val="000000"/>
                   </a:solidFill>
@@ -405,7 +410,7 @@
             </a:ln>
             <a:extLst>
               <a:ext uri="{91240B29-F687-4f45-9708-019B960494DF}">
-                <a14:hiddenLine xmlns:a14="http://schemas.microsoft.com/office/drawing/2010/main" xmlns="" w="9525">
+                <a14:hiddenLine xmlns="" xmlns:a14="http://schemas.microsoft.com/office/drawing/2010/main" w="9525">
                   <a:solidFill>
                     <a:srgbClr val="000000"/>
                   </a:solidFill>
@@ -439,7 +444,7 @@
             </a:ln>
             <a:extLst>
               <a:ext uri="{91240B29-F687-4f45-9708-019B960494DF}">
-                <a14:hiddenLine xmlns:a14="http://schemas.microsoft.com/office/drawing/2010/main" xmlns="" w="9525">
+                <a14:hiddenLine xmlns="" xmlns:a14="http://schemas.microsoft.com/office/drawing/2010/main" w="9525">
                   <a:solidFill>
                     <a:srgbClr val="000000"/>
                   </a:solidFill>
@@ -529,7 +534,7 @@
             </a:ln>
             <a:extLst>
               <a:ext uri="{91240B29-F687-4f45-9708-019B960494DF}">
-                <a14:hiddenLine xmlns:a14="http://schemas.microsoft.com/office/drawing/2010/main" xmlns="" w="9525">
+                <a14:hiddenLine xmlns="" xmlns:a14="http://schemas.microsoft.com/office/drawing/2010/main" w="9525">
                   <a:solidFill>
                     <a:srgbClr val="000000"/>
                   </a:solidFill>
@@ -591,7 +596,7 @@
             </a:ln>
             <a:extLst>
               <a:ext uri="{91240B29-F687-4f45-9708-019B960494DF}">
-                <a14:hiddenLine xmlns:a14="http://schemas.microsoft.com/office/drawing/2010/main" xmlns="" w="9525">
+                <a14:hiddenLine xmlns="" xmlns:a14="http://schemas.microsoft.com/office/drawing/2010/main" w="9525">
                   <a:solidFill>
                     <a:srgbClr val="000000"/>
                   </a:solidFill>
@@ -653,7 +658,7 @@
             </a:ln>
             <a:extLst>
               <a:ext uri="{91240B29-F687-4f45-9708-019B960494DF}">
-                <a14:hiddenLine xmlns:a14="http://schemas.microsoft.com/office/drawing/2010/main" xmlns="" w="9525">
+                <a14:hiddenLine xmlns="" xmlns:a14="http://schemas.microsoft.com/office/drawing/2010/main" w="9525">
                   <a:solidFill>
                     <a:srgbClr val="000000"/>
                   </a:solidFill>
@@ -743,7 +748,7 @@
             </a:ln>
             <a:extLst>
               <a:ext uri="{91240B29-F687-4f45-9708-019B960494DF}">
-                <a14:hiddenLine xmlns:a14="http://schemas.microsoft.com/office/drawing/2010/main" xmlns="" w="9525">
+                <a14:hiddenLine xmlns="" xmlns:a14="http://schemas.microsoft.com/office/drawing/2010/main" w="9525">
                   <a:solidFill>
                     <a:srgbClr val="000000"/>
                   </a:solidFill>
@@ -805,7 +810,7 @@
             </a:ln>
             <a:extLst>
               <a:ext uri="{91240B29-F687-4f45-9708-019B960494DF}">
-                <a14:hiddenLine xmlns:a14="http://schemas.microsoft.com/office/drawing/2010/main" xmlns="" w="9525">
+                <a14:hiddenLine xmlns="" xmlns:a14="http://schemas.microsoft.com/office/drawing/2010/main" w="9525">
                   <a:solidFill>
                     <a:srgbClr val="000000"/>
                   </a:solidFill>
@@ -867,7 +872,7 @@
             </a:ln>
             <a:extLst>
               <a:ext uri="{91240B29-F687-4f45-9708-019B960494DF}">
-                <a14:hiddenLine xmlns:a14="http://schemas.microsoft.com/office/drawing/2010/main" xmlns="" w="9525">
+                <a14:hiddenLine xmlns="" xmlns:a14="http://schemas.microsoft.com/office/drawing/2010/main" w="9525">
                   <a:solidFill>
                     <a:srgbClr val="000000"/>
                   </a:solidFill>
@@ -957,7 +962,7 @@
             </a:ln>
             <a:extLst>
               <a:ext uri="{91240B29-F687-4f45-9708-019B960494DF}">
-                <a14:hiddenLine xmlns:a14="http://schemas.microsoft.com/office/drawing/2010/main" xmlns="" w="9525">
+                <a14:hiddenLine xmlns="" xmlns:a14="http://schemas.microsoft.com/office/drawing/2010/main" w="9525">
                   <a:solidFill>
                     <a:srgbClr val="000000"/>
                   </a:solidFill>
@@ -1047,7 +1052,7 @@
             </a:ln>
             <a:extLst>
               <a:ext uri="{91240B29-F687-4f45-9708-019B960494DF}">
-                <a14:hiddenLine xmlns:a14="http://schemas.microsoft.com/office/drawing/2010/main" xmlns="" w="9525">
+                <a14:hiddenLine xmlns="" xmlns:a14="http://schemas.microsoft.com/office/drawing/2010/main" w="9525">
                   <a:solidFill>
                     <a:srgbClr val="000000"/>
                   </a:solidFill>
@@ -1109,7 +1114,7 @@
             </a:ln>
             <a:extLst>
               <a:ext uri="{91240B29-F687-4f45-9708-019B960494DF}">
-                <a14:hiddenLine xmlns:a14="http://schemas.microsoft.com/office/drawing/2010/main" xmlns="" w="9525">
+                <a14:hiddenLine xmlns="" xmlns:a14="http://schemas.microsoft.com/office/drawing/2010/main" w="9525">
                   <a:solidFill>
                     <a:srgbClr val="000000"/>
                   </a:solidFill>
@@ -1219,7 +1224,7 @@
             </a:ln>
             <a:extLst>
               <a:ext uri="{91240B29-F687-4f45-9708-019B960494DF}">
-                <a14:hiddenLine xmlns:a14="http://schemas.microsoft.com/office/drawing/2010/main" xmlns="" w="9525">
+                <a14:hiddenLine xmlns="" xmlns:a14="http://schemas.microsoft.com/office/drawing/2010/main" w="9525">
                   <a:solidFill>
                     <a:srgbClr val="000000"/>
                   </a:solidFill>
@@ -1281,7 +1286,7 @@
             </a:ln>
             <a:extLst>
               <a:ext uri="{91240B29-F687-4f45-9708-019B960494DF}">
-                <a14:hiddenLine xmlns:a14="http://schemas.microsoft.com/office/drawing/2010/main" xmlns="" w="9525">
+                <a14:hiddenLine xmlns="" xmlns:a14="http://schemas.microsoft.com/office/drawing/2010/main" w="9525">
                   <a:solidFill>
                     <a:srgbClr val="000000"/>
                   </a:solidFill>
@@ -1371,7 +1376,7 @@
             </a:ln>
             <a:extLst>
               <a:ext uri="{91240B29-F687-4f45-9708-019B960494DF}">
-                <a14:hiddenLine xmlns:a14="http://schemas.microsoft.com/office/drawing/2010/main" xmlns="" w="9525">
+                <a14:hiddenLine xmlns="" xmlns:a14="http://schemas.microsoft.com/office/drawing/2010/main" w="9525">
                   <a:solidFill>
                     <a:srgbClr val="000000"/>
                   </a:solidFill>
@@ -1461,7 +1466,7 @@
             </a:ln>
             <a:extLst>
               <a:ext uri="{91240B29-F687-4f45-9708-019B960494DF}">
-                <a14:hiddenLine xmlns:a14="http://schemas.microsoft.com/office/drawing/2010/main" xmlns="" w="9525">
+                <a14:hiddenLine xmlns="" xmlns:a14="http://schemas.microsoft.com/office/drawing/2010/main" w="9525">
                   <a:solidFill>
                     <a:srgbClr val="000000"/>
                   </a:solidFill>
@@ -1523,7 +1528,7 @@
             </a:ln>
             <a:extLst>
               <a:ext uri="{91240B29-F687-4f45-9708-019B960494DF}">
-                <a14:hiddenLine xmlns:a14="http://schemas.microsoft.com/office/drawing/2010/main" xmlns="" w="9525">
+                <a14:hiddenLine xmlns="" xmlns:a14="http://schemas.microsoft.com/office/drawing/2010/main" w="9525">
                   <a:solidFill>
                     <a:srgbClr val="000000"/>
                   </a:solidFill>
@@ -1613,7 +1618,7 @@
             </a:ln>
             <a:extLst>
               <a:ext uri="{91240B29-F687-4f45-9708-019B960494DF}">
-                <a14:hiddenLine xmlns:a14="http://schemas.microsoft.com/office/drawing/2010/main" xmlns="" w="9525">
+                <a14:hiddenLine xmlns="" xmlns:a14="http://schemas.microsoft.com/office/drawing/2010/main" w="9525">
                   <a:solidFill>
                     <a:srgbClr val="000000"/>
                   </a:solidFill>
@@ -1703,7 +1708,7 @@
             </a:ln>
             <a:extLst>
               <a:ext uri="{91240B29-F687-4f45-9708-019B960494DF}">
-                <a14:hiddenLine xmlns:a14="http://schemas.microsoft.com/office/drawing/2010/main" xmlns="" w="9525">
+                <a14:hiddenLine xmlns="" xmlns:a14="http://schemas.microsoft.com/office/drawing/2010/main" w="9525">
                   <a:solidFill>
                     <a:srgbClr val="000000"/>
                   </a:solidFill>
@@ -1759,7 +1764,7 @@
             </a:ln>
             <a:extLst>
               <a:ext uri="{91240B29-F687-4f45-9708-019B960494DF}">
-                <a14:hiddenLine xmlns:a14="http://schemas.microsoft.com/office/drawing/2010/main" xmlns="" w="9525">
+                <a14:hiddenLine xmlns="" xmlns:a14="http://schemas.microsoft.com/office/drawing/2010/main" w="9525">
                   <a:solidFill>
                     <a:srgbClr val="000000"/>
                   </a:solidFill>
@@ -1849,7 +1854,7 @@
             </a:ln>
             <a:extLst>
               <a:ext uri="{91240B29-F687-4f45-9708-019B960494DF}">
-                <a14:hiddenLine xmlns:a14="http://schemas.microsoft.com/office/drawing/2010/main" xmlns="" w="9525">
+                <a14:hiddenLine xmlns="" xmlns:a14="http://schemas.microsoft.com/office/drawing/2010/main" w="9525">
                   <a:solidFill>
                     <a:srgbClr val="000000"/>
                   </a:solidFill>
@@ -1905,7 +1910,7 @@
             </a:ln>
             <a:extLst>
               <a:ext uri="{91240B29-F687-4f45-9708-019B960494DF}">
-                <a14:hiddenLine xmlns:a14="http://schemas.microsoft.com/office/drawing/2010/main" xmlns="" w="9525">
+                <a14:hiddenLine xmlns="" xmlns:a14="http://schemas.microsoft.com/office/drawing/2010/main" w="9525">
                   <a:solidFill>
                     <a:srgbClr val="000000"/>
                   </a:solidFill>
@@ -1995,7 +2000,7 @@
             </a:ln>
             <a:extLst>
               <a:ext uri="{91240B29-F687-4f45-9708-019B960494DF}">
-                <a14:hiddenLine xmlns:a14="http://schemas.microsoft.com/office/drawing/2010/main" xmlns="" w="9525">
+                <a14:hiddenLine xmlns="" xmlns:a14="http://schemas.microsoft.com/office/drawing/2010/main" w="9525">
                   <a:solidFill>
                     <a:srgbClr val="000000"/>
                   </a:solidFill>
@@ -2063,7 +2068,7 @@
             </a:ln>
             <a:extLst>
               <a:ext uri="{91240B29-F687-4f45-9708-019B960494DF}">
-                <a14:hiddenLine xmlns:a14="http://schemas.microsoft.com/office/drawing/2010/main" xmlns="" w="9525">
+                <a14:hiddenLine xmlns="" xmlns:a14="http://schemas.microsoft.com/office/drawing/2010/main" w="9525">
                   <a:solidFill>
                     <a:srgbClr val="000000"/>
                   </a:solidFill>
@@ -2153,7 +2158,7 @@
             </a:ln>
             <a:extLst>
               <a:ext uri="{91240B29-F687-4f45-9708-019B960494DF}">
-                <a14:hiddenLine xmlns:a14="http://schemas.microsoft.com/office/drawing/2010/main" xmlns="" w="9525">
+                <a14:hiddenLine xmlns="" xmlns:a14="http://schemas.microsoft.com/office/drawing/2010/main" w="9525">
                   <a:solidFill>
                     <a:srgbClr val="000000"/>
                   </a:solidFill>
@@ -2221,7 +2226,7 @@
             </a:ln>
             <a:extLst>
               <a:ext uri="{91240B29-F687-4f45-9708-019B960494DF}">
-                <a14:hiddenLine xmlns:a14="http://schemas.microsoft.com/office/drawing/2010/main" xmlns="" w="9525">
+                <a14:hiddenLine xmlns="" xmlns:a14="http://schemas.microsoft.com/office/drawing/2010/main" w="9525">
                   <a:solidFill>
                     <a:srgbClr val="000000"/>
                   </a:solidFill>
@@ -2311,7 +2316,7 @@
             </a:ln>
             <a:extLst>
               <a:ext uri="{91240B29-F687-4f45-9708-019B960494DF}">
-                <a14:hiddenLine xmlns:a14="http://schemas.microsoft.com/office/drawing/2010/main" xmlns="" w="9525">
+                <a14:hiddenLine xmlns="" xmlns:a14="http://schemas.microsoft.com/office/drawing/2010/main" w="9525">
                   <a:solidFill>
                     <a:srgbClr val="000000"/>
                   </a:solidFill>
@@ -2345,7 +2350,7 @@
             </a:ln>
             <a:extLst>
               <a:ext uri="{91240B29-F687-4f45-9708-019B960494DF}">
-                <a14:hiddenLine xmlns:a14="http://schemas.microsoft.com/office/drawing/2010/main" xmlns="" w="9525">
+                <a14:hiddenLine xmlns="" xmlns:a14="http://schemas.microsoft.com/office/drawing/2010/main" w="9525">
                   <a:solidFill>
                     <a:srgbClr val="000000"/>
                   </a:solidFill>
@@ -2435,7 +2440,7 @@
             </a:ln>
             <a:extLst>
               <a:ext uri="{91240B29-F687-4f45-9708-019B960494DF}">
-                <a14:hiddenLine xmlns:a14="http://schemas.microsoft.com/office/drawing/2010/main" xmlns="" w="9525">
+                <a14:hiddenLine xmlns="" xmlns:a14="http://schemas.microsoft.com/office/drawing/2010/main" w="9525">
                   <a:solidFill>
                     <a:srgbClr val="000000"/>
                   </a:solidFill>
@@ -2497,7 +2502,7 @@
             </a:ln>
             <a:extLst>
               <a:ext uri="{91240B29-F687-4f45-9708-019B960494DF}">
-                <a14:hiddenLine xmlns:a14="http://schemas.microsoft.com/office/drawing/2010/main" xmlns="" w="9525">
+                <a14:hiddenLine xmlns="" xmlns:a14="http://schemas.microsoft.com/office/drawing/2010/main" w="9525">
                   <a:solidFill>
                     <a:srgbClr val="000000"/>
                   </a:solidFill>
@@ -2559,7 +2564,7 @@
             </a:ln>
             <a:extLst>
               <a:ext uri="{91240B29-F687-4f45-9708-019B960494DF}">
-                <a14:hiddenLine xmlns:a14="http://schemas.microsoft.com/office/drawing/2010/main" xmlns="" w="9525">
+                <a14:hiddenLine xmlns="" xmlns:a14="http://schemas.microsoft.com/office/drawing/2010/main" w="9525">
                   <a:solidFill>
                     <a:srgbClr val="000000"/>
                   </a:solidFill>
@@ -2649,7 +2654,7 @@
             </a:ln>
             <a:extLst>
               <a:ext uri="{91240B29-F687-4f45-9708-019B960494DF}">
-                <a14:hiddenLine xmlns:a14="http://schemas.microsoft.com/office/drawing/2010/main" xmlns="" w="9525">
+                <a14:hiddenLine xmlns="" xmlns:a14="http://schemas.microsoft.com/office/drawing/2010/main" w="9525">
                   <a:solidFill>
                     <a:srgbClr val="000000"/>
                   </a:solidFill>
@@ -2717,7 +2722,7 @@
             </a:ln>
             <a:extLst>
               <a:ext uri="{91240B29-F687-4f45-9708-019B960494DF}">
-                <a14:hiddenLine xmlns:a14="http://schemas.microsoft.com/office/drawing/2010/main" xmlns="" w="9525">
+                <a14:hiddenLine xmlns="" xmlns:a14="http://schemas.microsoft.com/office/drawing/2010/main" w="9525">
                   <a:solidFill>
                     <a:srgbClr val="000000"/>
                   </a:solidFill>
@@ -2779,7 +2784,7 @@
             </a:ln>
             <a:extLst>
               <a:ext uri="{91240B29-F687-4f45-9708-019B960494DF}">
-                <a14:hiddenLine xmlns:a14="http://schemas.microsoft.com/office/drawing/2010/main" xmlns="" w="9525">
+                <a14:hiddenLine xmlns="" xmlns:a14="http://schemas.microsoft.com/office/drawing/2010/main" w="9525">
                   <a:solidFill>
                     <a:srgbClr val="000000"/>
                   </a:solidFill>
@@ -2869,7 +2874,7 @@
             </a:ln>
             <a:extLst>
               <a:ext uri="{91240B29-F687-4f45-9708-019B960494DF}">
-                <a14:hiddenLine xmlns:a14="http://schemas.microsoft.com/office/drawing/2010/main" xmlns="" w="9525">
+                <a14:hiddenLine xmlns="" xmlns:a14="http://schemas.microsoft.com/office/drawing/2010/main" w="9525">
                   <a:solidFill>
                     <a:srgbClr val="000000"/>
                   </a:solidFill>
@@ -2931,7 +2936,7 @@
             </a:ln>
             <a:extLst>
               <a:ext uri="{91240B29-F687-4f45-9708-019B960494DF}">
-                <a14:hiddenLine xmlns:a14="http://schemas.microsoft.com/office/drawing/2010/main" xmlns="" w="9525">
+                <a14:hiddenLine xmlns="" xmlns:a14="http://schemas.microsoft.com/office/drawing/2010/main" w="9525">
                   <a:solidFill>
                     <a:srgbClr val="000000"/>
                   </a:solidFill>
@@ -3021,7 +3026,7 @@
             </a:ln>
             <a:extLst>
               <a:ext uri="{91240B29-F687-4f45-9708-019B960494DF}">
-                <a14:hiddenLine xmlns:a14="http://schemas.microsoft.com/office/drawing/2010/main" xmlns="" w="9525">
+                <a14:hiddenLine xmlns="" xmlns:a14="http://schemas.microsoft.com/office/drawing/2010/main" w="9525">
                   <a:solidFill>
                     <a:srgbClr val="000000"/>
                   </a:solidFill>
@@ -3083,7 +3088,7 @@
             </a:ln>
             <a:extLst>
               <a:ext uri="{91240B29-F687-4f45-9708-019B960494DF}">
-                <a14:hiddenLine xmlns:a14="http://schemas.microsoft.com/office/drawing/2010/main" xmlns="" w="9525">
+                <a14:hiddenLine xmlns="" xmlns:a14="http://schemas.microsoft.com/office/drawing/2010/main" w="9525">
                   <a:solidFill>
                     <a:srgbClr val="000000"/>
                   </a:solidFill>
@@ -3173,7 +3178,7 @@
             </a:ln>
             <a:extLst>
               <a:ext uri="{91240B29-F687-4f45-9708-019B960494DF}">
-                <a14:hiddenLine xmlns:a14="http://schemas.microsoft.com/office/drawing/2010/main" xmlns="" w="9525">
+                <a14:hiddenLine xmlns="" xmlns:a14="http://schemas.microsoft.com/office/drawing/2010/main" w="9525">
                   <a:solidFill>
                     <a:srgbClr val="000000"/>
                   </a:solidFill>
@@ -3207,7 +3212,7 @@
             </a:ln>
             <a:extLst>
               <a:ext uri="{91240B29-F687-4f45-9708-019B960494DF}">
-                <a14:hiddenLine xmlns:a14="http://schemas.microsoft.com/office/drawing/2010/main" xmlns="" w="9525">
+                <a14:hiddenLine xmlns="" xmlns:a14="http://schemas.microsoft.com/office/drawing/2010/main" w="9525">
                   <a:solidFill>
                     <a:srgbClr val="000000"/>
                   </a:solidFill>
@@ -3272,7 +3277,7 @@
             </a:ln>
             <a:extLst>
               <a:ext uri="{91240B29-F687-4f45-9708-019B960494DF}">
-                <a14:hiddenLine xmlns:a14="http://schemas.microsoft.com/office/drawing/2010/main" xmlns="" w="9525">
+                <a14:hiddenLine xmlns="" xmlns:a14="http://schemas.microsoft.com/office/drawing/2010/main" w="9525">
                   <a:solidFill>
                     <a:srgbClr val="000000"/>
                   </a:solidFill>
@@ -3362,7 +3367,7 @@
             </a:ln>
             <a:extLst>
               <a:ext uri="{91240B29-F687-4f45-9708-019B960494DF}">
-                <a14:hiddenLine xmlns:a14="http://schemas.microsoft.com/office/drawing/2010/main" xmlns="" w="9525">
+                <a14:hiddenLine xmlns="" xmlns:a14="http://schemas.microsoft.com/office/drawing/2010/main" w="9525">
                   <a:solidFill>
                     <a:srgbClr val="000000"/>
                   </a:solidFill>
@@ -3424,7 +3429,7 @@
             </a:ln>
             <a:extLst>
               <a:ext uri="{91240B29-F687-4f45-9708-019B960494DF}">
-                <a14:hiddenLine xmlns:a14="http://schemas.microsoft.com/office/drawing/2010/main" xmlns="" w="9525">
+                <a14:hiddenLine xmlns="" xmlns:a14="http://schemas.microsoft.com/office/drawing/2010/main" w="9525">
                   <a:solidFill>
                     <a:srgbClr val="000000"/>
                   </a:solidFill>
@@ -3514,7 +3519,7 @@
             </a:ln>
             <a:extLst>
               <a:ext uri="{91240B29-F687-4f45-9708-019B960494DF}">
-                <a14:hiddenLine xmlns:a14="http://schemas.microsoft.com/office/drawing/2010/main" xmlns="" w="9525">
+                <a14:hiddenLine xmlns="" xmlns:a14="http://schemas.microsoft.com/office/drawing/2010/main" w="9525">
                   <a:solidFill>
                     <a:srgbClr val="000000"/>
                   </a:solidFill>
@@ -3604,7 +3609,7 @@
             </a:ln>
             <a:extLst>
               <a:ext uri="{91240B29-F687-4f45-9708-019B960494DF}">
-                <a14:hiddenLine xmlns:a14="http://schemas.microsoft.com/office/drawing/2010/main" xmlns="" w="9525">
+                <a14:hiddenLine xmlns="" xmlns:a14="http://schemas.microsoft.com/office/drawing/2010/main" w="9525">
                   <a:solidFill>
                     <a:srgbClr val="000000"/>
                   </a:solidFill>
@@ -3669,7 +3674,7 @@
             </a:ln>
             <a:extLst>
               <a:ext uri="{91240B29-F687-4f45-9708-019B960494DF}">
-                <a14:hiddenLine xmlns:a14="http://schemas.microsoft.com/office/drawing/2010/main" xmlns="" w="9525">
+                <a14:hiddenLine xmlns="" xmlns:a14="http://schemas.microsoft.com/office/drawing/2010/main" w="9525">
                   <a:solidFill>
                     <a:srgbClr val="000000"/>
                   </a:solidFill>
@@ -3731,7 +3736,7 @@
             </a:ln>
             <a:extLst>
               <a:ext uri="{91240B29-F687-4f45-9708-019B960494DF}">
-                <a14:hiddenLine xmlns:a14="http://schemas.microsoft.com/office/drawing/2010/main" xmlns="" w="9525">
+                <a14:hiddenLine xmlns="" xmlns:a14="http://schemas.microsoft.com/office/drawing/2010/main" w="9525">
                   <a:solidFill>
                     <a:srgbClr val="000000"/>
                   </a:solidFill>
@@ -3821,7 +3826,7 @@
             </a:ln>
             <a:extLst>
               <a:ext uri="{91240B29-F687-4f45-9708-019B960494DF}">
-                <a14:hiddenLine xmlns:a14="http://schemas.microsoft.com/office/drawing/2010/main" xmlns="" w="9525">
+                <a14:hiddenLine xmlns="" xmlns:a14="http://schemas.microsoft.com/office/drawing/2010/main" w="9525">
                   <a:solidFill>
                     <a:srgbClr val="000000"/>
                   </a:solidFill>
@@ -3911,7 +3916,7 @@
             </a:ln>
             <a:extLst>
               <a:ext uri="{91240B29-F687-4f45-9708-019B960494DF}">
-                <a14:hiddenLine xmlns:a14="http://schemas.microsoft.com/office/drawing/2010/main" xmlns="" w="9525">
+                <a14:hiddenLine xmlns="" xmlns:a14="http://schemas.microsoft.com/office/drawing/2010/main" w="9525">
                   <a:solidFill>
                     <a:srgbClr val="000000"/>
                   </a:solidFill>
@@ -3973,7 +3978,7 @@
             </a:ln>
             <a:extLst>
               <a:ext uri="{91240B29-F687-4f45-9708-019B960494DF}">
-                <a14:hiddenLine xmlns:a14="http://schemas.microsoft.com/office/drawing/2010/main" xmlns="" w="9525">
+                <a14:hiddenLine xmlns="" xmlns:a14="http://schemas.microsoft.com/office/drawing/2010/main" w="9525">
                   <a:solidFill>
                     <a:srgbClr val="000000"/>
                   </a:solidFill>
@@ -4093,7 +4098,7 @@
             </a:ln>
             <a:extLst>
               <a:ext uri="{91240B29-F687-4f45-9708-019B960494DF}">
-                <a14:hiddenLine xmlns:a14="http://schemas.microsoft.com/office/drawing/2010/main" xmlns="" w="9525">
+                <a14:hiddenLine xmlns="" xmlns:a14="http://schemas.microsoft.com/office/drawing/2010/main" w="9525">
                   <a:solidFill>
                     <a:srgbClr val="000000"/>
                   </a:solidFill>
@@ -4161,7 +4166,7 @@
             </a:ln>
             <a:extLst>
               <a:ext uri="{91240B29-F687-4f45-9708-019B960494DF}">
-                <a14:hiddenLine xmlns:a14="http://schemas.microsoft.com/office/drawing/2010/main" xmlns="" w="9525">
+                <a14:hiddenLine xmlns="" xmlns:a14="http://schemas.microsoft.com/office/drawing/2010/main" w="9525">
                   <a:solidFill>
                     <a:srgbClr val="000000"/>
                   </a:solidFill>
@@ -4251,7 +4256,7 @@
             </a:ln>
             <a:extLst>
               <a:ext uri="{91240B29-F687-4f45-9708-019B960494DF}">
-                <a14:hiddenLine xmlns:a14="http://schemas.microsoft.com/office/drawing/2010/main" xmlns="" w="9525">
+                <a14:hiddenLine xmlns="" xmlns:a14="http://schemas.microsoft.com/office/drawing/2010/main" w="9525">
                   <a:solidFill>
                     <a:srgbClr val="000000"/>
                   </a:solidFill>
@@ -4391,7 +4396,7 @@
           <a:p>
             <a:fld id="{48A87A34-81AB-432B-8DAE-1953F412C126}" type="datetimeFigureOut">
               <a:rPr lang="en-US" dirty="0"/>
-              <a:t>5/22/19</a:t>
+              <a:t>5/27/19</a:t>
             </a:fld>
             <a:endParaRPr lang="en-US" dirty="0"/>
           </a:p>
@@ -4653,7 +4658,7 @@
           <a:p>
             <a:fld id="{48A87A34-81AB-432B-8DAE-1953F412C126}" type="datetimeFigureOut">
               <a:rPr lang="en-US" dirty="0"/>
-              <a:t>5/22/19</a:t>
+              <a:t>5/27/19</a:t>
             </a:fld>
             <a:endParaRPr lang="en-US" dirty="0"/>
           </a:p>
@@ -4844,7 +4849,7 @@
           <a:p>
             <a:fld id="{48A87A34-81AB-432B-8DAE-1953F412C126}" type="datetimeFigureOut">
               <a:rPr lang="en-US" dirty="0"/>
-              <a:t>5/22/19</a:t>
+              <a:t>5/27/19</a:t>
             </a:fld>
             <a:endParaRPr lang="en-US" dirty="0"/>
           </a:p>
@@ -5102,7 +5107,7 @@
           <a:p>
             <a:fld id="{48A87A34-81AB-432B-8DAE-1953F412C126}" type="datetimeFigureOut">
               <a:rPr lang="en-US" dirty="0"/>
-              <a:t>5/22/19</a:t>
+              <a:t>5/27/19</a:t>
             </a:fld>
             <a:endParaRPr lang="en-US" dirty="0"/>
           </a:p>
@@ -5531,7 +5536,7 @@
           <a:p>
             <a:fld id="{48A87A34-81AB-432B-8DAE-1953F412C126}" type="datetimeFigureOut">
               <a:rPr lang="en-US" dirty="0"/>
-              <a:t>5/22/19</a:t>
+              <a:t>5/27/19</a:t>
             </a:fld>
             <a:endParaRPr lang="en-US" dirty="0"/>
           </a:p>
@@ -6072,7 +6077,7 @@
           <a:p>
             <a:fld id="{48A87A34-81AB-432B-8DAE-1953F412C126}" type="datetimeFigureOut">
               <a:rPr lang="en-US" dirty="0"/>
-              <a:t>5/22/19</a:t>
+              <a:t>5/27/19</a:t>
             </a:fld>
             <a:endParaRPr lang="en-US" dirty="0"/>
           </a:p>
@@ -6787,7 +6792,7 @@
           <a:p>
             <a:fld id="{48A87A34-81AB-432B-8DAE-1953F412C126}" type="datetimeFigureOut">
               <a:rPr lang="en-US" dirty="0"/>
-              <a:t>5/22/19</a:t>
+              <a:t>5/27/19</a:t>
             </a:fld>
             <a:endParaRPr lang="en-US" dirty="0"/>
           </a:p>
@@ -6952,7 +6957,7 @@
           <a:p>
             <a:fld id="{48A87A34-81AB-432B-8DAE-1953F412C126}" type="datetimeFigureOut">
               <a:rPr lang="en-US" dirty="0"/>
-              <a:t>5/22/19</a:t>
+              <a:t>5/27/19</a:t>
             </a:fld>
             <a:endParaRPr lang="en-US" dirty="0"/>
           </a:p>
@@ -7127,7 +7132,7 @@
           <a:p>
             <a:fld id="{48A87A34-81AB-432B-8DAE-1953F412C126}" type="datetimeFigureOut">
               <a:rPr lang="en-US" dirty="0"/>
-              <a:t>5/22/19</a:t>
+              <a:t>5/27/19</a:t>
             </a:fld>
             <a:endParaRPr lang="en-US" dirty="0"/>
           </a:p>
@@ -7292,7 +7297,7 @@
           <a:p>
             <a:fld id="{48A87A34-81AB-432B-8DAE-1953F412C126}" type="datetimeFigureOut">
               <a:rPr lang="en-US" dirty="0"/>
-              <a:t>5/22/19</a:t>
+              <a:t>5/27/19</a:t>
             </a:fld>
             <a:endParaRPr lang="en-US" dirty="0"/>
           </a:p>
@@ -7537,7 +7542,7 @@
           <a:p>
             <a:fld id="{48A87A34-81AB-432B-8DAE-1953F412C126}" type="datetimeFigureOut">
               <a:rPr lang="en-US" dirty="0"/>
-              <a:t>5/22/19</a:t>
+              <a:t>5/27/19</a:t>
             </a:fld>
             <a:endParaRPr lang="en-US" dirty="0"/>
           </a:p>
@@ -7764,7 +7769,7 @@
           <a:p>
             <a:fld id="{48A87A34-81AB-432B-8DAE-1953F412C126}" type="datetimeFigureOut">
               <a:rPr lang="en-US" dirty="0"/>
-              <a:t>5/22/19</a:t>
+              <a:t>5/27/19</a:t>
             </a:fld>
             <a:endParaRPr lang="en-US" dirty="0"/>
           </a:p>
@@ -8140,7 +8145,7 @@
           <a:p>
             <a:fld id="{48A87A34-81AB-432B-8DAE-1953F412C126}" type="datetimeFigureOut">
               <a:rPr lang="en-US" dirty="0"/>
-              <a:t>5/22/19</a:t>
+              <a:t>5/27/19</a:t>
             </a:fld>
             <a:endParaRPr lang="en-US" dirty="0"/>
           </a:p>
@@ -8253,7 +8258,7 @@
           <a:p>
             <a:fld id="{48A87A34-81AB-432B-8DAE-1953F412C126}" type="datetimeFigureOut">
               <a:rPr lang="en-US" dirty="0"/>
-              <a:t>5/22/19</a:t>
+              <a:t>5/27/19</a:t>
             </a:fld>
             <a:endParaRPr lang="en-US" dirty="0"/>
           </a:p>
@@ -8343,7 +8348,7 @@
           <a:p>
             <a:fld id="{48A87A34-81AB-432B-8DAE-1953F412C126}" type="datetimeFigureOut">
               <a:rPr lang="en-US" dirty="0"/>
-              <a:t>5/22/19</a:t>
+              <a:t>5/27/19</a:t>
             </a:fld>
             <a:endParaRPr lang="en-US" dirty="0"/>
           </a:p>
@@ -8587,7 +8592,7 @@
           <a:p>
             <a:fld id="{48A87A34-81AB-432B-8DAE-1953F412C126}" type="datetimeFigureOut">
               <a:rPr lang="en-US" dirty="0"/>
-              <a:t>5/22/19</a:t>
+              <a:t>5/27/19</a:t>
             </a:fld>
             <a:endParaRPr lang="en-US" dirty="0"/>
           </a:p>
@@ -8862,7 +8867,7 @@
           <a:p>
             <a:fld id="{48A87A34-81AB-432B-8DAE-1953F412C126}" type="datetimeFigureOut">
               <a:rPr lang="en-US" dirty="0"/>
-              <a:t>5/22/19</a:t>
+              <a:t>5/27/19</a:t>
             </a:fld>
             <a:endParaRPr lang="en-US" dirty="0"/>
           </a:p>
@@ -8973,7 +8978,7 @@
           <a:noFill/>
           <a:extLst>
             <a:ext uri="{909E8E84-426E-40dd-AFC4-6F175D3DCCD1}">
-              <a14:hiddenFill xmlns:a14="http://schemas.microsoft.com/office/drawing/2010/main" xmlns="">
+              <a14:hiddenFill xmlns="" xmlns:a14="http://schemas.microsoft.com/office/drawing/2010/main">
                 <a:solidFill>
                   <a:srgbClr val="FFFFFF"/>
                 </a:solidFill>
@@ -9047,7 +9052,7 @@
               </a:ln>
               <a:extLst>
                 <a:ext uri="{91240B29-F687-4f45-9708-019B960494DF}">
-                  <a14:hiddenLine xmlns:a14="http://schemas.microsoft.com/office/drawing/2010/main" xmlns="" w="9525">
+                  <a14:hiddenLine xmlns="" xmlns:a14="http://schemas.microsoft.com/office/drawing/2010/main" w="9525">
                     <a:solidFill>
                       <a:srgbClr val="000000"/>
                     </a:solidFill>
@@ -9137,7 +9142,7 @@
               </a:ln>
               <a:extLst>
                 <a:ext uri="{91240B29-F687-4f45-9708-019B960494DF}">
-                  <a14:hiddenLine xmlns:a14="http://schemas.microsoft.com/office/drawing/2010/main" xmlns="" w="9525">
+                  <a14:hiddenLine xmlns="" xmlns:a14="http://schemas.microsoft.com/office/drawing/2010/main" w="9525">
                     <a:solidFill>
                       <a:srgbClr val="000000"/>
                     </a:solidFill>
@@ -9227,7 +9232,7 @@
               </a:ln>
               <a:extLst>
                 <a:ext uri="{91240B29-F687-4f45-9708-019B960494DF}">
-                  <a14:hiddenLine xmlns:a14="http://schemas.microsoft.com/office/drawing/2010/main" xmlns="" w="9525">
+                  <a14:hiddenLine xmlns="" xmlns:a14="http://schemas.microsoft.com/office/drawing/2010/main" w="9525">
                     <a:solidFill>
                       <a:srgbClr val="000000"/>
                     </a:solidFill>
@@ -9289,7 +9294,7 @@
               </a:ln>
               <a:extLst>
                 <a:ext uri="{91240B29-F687-4f45-9708-019B960494DF}">
-                  <a14:hiddenLine xmlns:a14="http://schemas.microsoft.com/office/drawing/2010/main" xmlns="" w="9525">
+                  <a14:hiddenLine xmlns="" xmlns:a14="http://schemas.microsoft.com/office/drawing/2010/main" w="9525">
                     <a:solidFill>
                       <a:srgbClr val="000000"/>
                     </a:solidFill>
@@ -9379,7 +9384,7 @@
               </a:ln>
               <a:extLst>
                 <a:ext uri="{91240B29-F687-4f45-9708-019B960494DF}">
-                  <a14:hiddenLine xmlns:a14="http://schemas.microsoft.com/office/drawing/2010/main" xmlns="" w="9525">
+                  <a14:hiddenLine xmlns="" xmlns:a14="http://schemas.microsoft.com/office/drawing/2010/main" w="9525">
                     <a:solidFill>
                       <a:srgbClr val="000000"/>
                     </a:solidFill>
@@ -9441,7 +9446,7 @@
               </a:ln>
               <a:extLst>
                 <a:ext uri="{91240B29-F687-4f45-9708-019B960494DF}">
-                  <a14:hiddenLine xmlns:a14="http://schemas.microsoft.com/office/drawing/2010/main" xmlns="" w="9525">
+                  <a14:hiddenLine xmlns="" xmlns:a14="http://schemas.microsoft.com/office/drawing/2010/main" w="9525">
                     <a:solidFill>
                       <a:srgbClr val="000000"/>
                     </a:solidFill>
@@ -9503,7 +9508,7 @@
               </a:ln>
               <a:extLst>
                 <a:ext uri="{91240B29-F687-4f45-9708-019B960494DF}">
-                  <a14:hiddenLine xmlns:a14="http://schemas.microsoft.com/office/drawing/2010/main" xmlns="" w="9525">
+                  <a14:hiddenLine xmlns="" xmlns:a14="http://schemas.microsoft.com/office/drawing/2010/main" w="9525">
                     <a:solidFill>
                       <a:srgbClr val="000000"/>
                     </a:solidFill>
@@ -9593,7 +9598,7 @@
               </a:ln>
               <a:extLst>
                 <a:ext uri="{91240B29-F687-4f45-9708-019B960494DF}">
-                  <a14:hiddenLine xmlns:a14="http://schemas.microsoft.com/office/drawing/2010/main" xmlns="" w="9525">
+                  <a14:hiddenLine xmlns="" xmlns:a14="http://schemas.microsoft.com/office/drawing/2010/main" w="9525">
                     <a:solidFill>
                       <a:srgbClr val="000000"/>
                     </a:solidFill>
@@ -9683,7 +9688,7 @@
               </a:ln>
               <a:extLst>
                 <a:ext uri="{91240B29-F687-4f45-9708-019B960494DF}">
-                  <a14:hiddenLine xmlns:a14="http://schemas.microsoft.com/office/drawing/2010/main" xmlns="" w="9525">
+                  <a14:hiddenLine xmlns="" xmlns:a14="http://schemas.microsoft.com/office/drawing/2010/main" w="9525">
                     <a:solidFill>
                       <a:srgbClr val="000000"/>
                     </a:solidFill>
@@ -9745,7 +9750,7 @@
               </a:ln>
               <a:extLst>
                 <a:ext uri="{91240B29-F687-4f45-9708-019B960494DF}">
-                  <a14:hiddenLine xmlns:a14="http://schemas.microsoft.com/office/drawing/2010/main" xmlns="" w="9525">
+                  <a14:hiddenLine xmlns="" xmlns:a14="http://schemas.microsoft.com/office/drawing/2010/main" w="9525">
                     <a:solidFill>
                       <a:srgbClr val="000000"/>
                     </a:solidFill>
@@ -9855,7 +9860,7 @@
               </a:ln>
               <a:extLst>
                 <a:ext uri="{91240B29-F687-4f45-9708-019B960494DF}">
-                  <a14:hiddenLine xmlns:a14="http://schemas.microsoft.com/office/drawing/2010/main" xmlns="" w="9525">
+                  <a14:hiddenLine xmlns="" xmlns:a14="http://schemas.microsoft.com/office/drawing/2010/main" w="9525">
                     <a:solidFill>
                       <a:srgbClr val="000000"/>
                     </a:solidFill>
@@ -9939,7 +9944,7 @@
               </a:ln>
               <a:extLst>
                 <a:ext uri="{91240B29-F687-4f45-9708-019B960494DF}">
-                  <a14:hiddenLine xmlns:a14="http://schemas.microsoft.com/office/drawing/2010/main" xmlns="" w="9525">
+                  <a14:hiddenLine xmlns="" xmlns:a14="http://schemas.microsoft.com/office/drawing/2010/main" w="9525">
                     <a:solidFill>
                       <a:srgbClr val="000000"/>
                     </a:solidFill>
@@ -10001,7 +10006,7 @@
               </a:ln>
               <a:extLst>
                 <a:ext uri="{91240B29-F687-4f45-9708-019B960494DF}">
-                  <a14:hiddenLine xmlns:a14="http://schemas.microsoft.com/office/drawing/2010/main" xmlns="" w="9525">
+                  <a14:hiddenLine xmlns="" xmlns:a14="http://schemas.microsoft.com/office/drawing/2010/main" w="9525">
                     <a:solidFill>
                       <a:srgbClr val="000000"/>
                     </a:solidFill>
@@ -10063,7 +10068,7 @@
               </a:ln>
               <a:extLst>
                 <a:ext uri="{91240B29-F687-4f45-9708-019B960494DF}">
-                  <a14:hiddenLine xmlns:a14="http://schemas.microsoft.com/office/drawing/2010/main" xmlns="" w="9525">
+                  <a14:hiddenLine xmlns="" xmlns:a14="http://schemas.microsoft.com/office/drawing/2010/main" w="9525">
                     <a:solidFill>
                       <a:srgbClr val="000000"/>
                     </a:solidFill>
@@ -10153,7 +10158,7 @@
               </a:ln>
               <a:extLst>
                 <a:ext uri="{91240B29-F687-4f45-9708-019B960494DF}">
-                  <a14:hiddenLine xmlns:a14="http://schemas.microsoft.com/office/drawing/2010/main" xmlns="" w="9525">
+                  <a14:hiddenLine xmlns="" xmlns:a14="http://schemas.microsoft.com/office/drawing/2010/main" w="9525">
                     <a:solidFill>
                       <a:srgbClr val="000000"/>
                     </a:solidFill>
@@ -10187,7 +10192,7 @@
               </a:ln>
               <a:extLst>
                 <a:ext uri="{91240B29-F687-4f45-9708-019B960494DF}">
-                  <a14:hiddenLine xmlns:a14="http://schemas.microsoft.com/office/drawing/2010/main" xmlns="" w="9525">
+                  <a14:hiddenLine xmlns="" xmlns:a14="http://schemas.microsoft.com/office/drawing/2010/main" w="9525">
                     <a:solidFill>
                       <a:srgbClr val="000000"/>
                     </a:solidFill>
@@ -10252,7 +10257,7 @@
               </a:ln>
               <a:extLst>
                 <a:ext uri="{91240B29-F687-4f45-9708-019B960494DF}">
-                  <a14:hiddenLine xmlns:a14="http://schemas.microsoft.com/office/drawing/2010/main" xmlns="" w="9525">
+                  <a14:hiddenLine xmlns="" xmlns:a14="http://schemas.microsoft.com/office/drawing/2010/main" w="9525">
                     <a:solidFill>
                       <a:srgbClr val="000000"/>
                     </a:solidFill>
@@ -10342,7 +10347,7 @@
               </a:ln>
               <a:extLst>
                 <a:ext uri="{91240B29-F687-4f45-9708-019B960494DF}">
-                  <a14:hiddenLine xmlns:a14="http://schemas.microsoft.com/office/drawing/2010/main" xmlns="" w="9525">
+                  <a14:hiddenLine xmlns="" xmlns:a14="http://schemas.microsoft.com/office/drawing/2010/main" w="9525">
                     <a:solidFill>
                       <a:srgbClr val="000000"/>
                     </a:solidFill>
@@ -10404,7 +10409,7 @@
               </a:ln>
               <a:extLst>
                 <a:ext uri="{91240B29-F687-4f45-9708-019B960494DF}">
-                  <a14:hiddenLine xmlns:a14="http://schemas.microsoft.com/office/drawing/2010/main" xmlns="" w="9525">
+                  <a14:hiddenLine xmlns="" xmlns:a14="http://schemas.microsoft.com/office/drawing/2010/main" w="9525">
                     <a:solidFill>
                       <a:srgbClr val="000000"/>
                     </a:solidFill>
@@ -10494,7 +10499,7 @@
               </a:ln>
               <a:extLst>
                 <a:ext uri="{91240B29-F687-4f45-9708-019B960494DF}">
-                  <a14:hiddenLine xmlns:a14="http://schemas.microsoft.com/office/drawing/2010/main" xmlns="" w="9525">
+                  <a14:hiddenLine xmlns="" xmlns:a14="http://schemas.microsoft.com/office/drawing/2010/main" w="9525">
                     <a:solidFill>
                       <a:srgbClr val="000000"/>
                     </a:solidFill>
@@ -10559,7 +10564,7 @@
               </a:ln>
               <a:extLst>
                 <a:ext uri="{91240B29-F687-4f45-9708-019B960494DF}">
-                  <a14:hiddenLine xmlns:a14="http://schemas.microsoft.com/office/drawing/2010/main" xmlns="" w="9525">
+                  <a14:hiddenLine xmlns="" xmlns:a14="http://schemas.microsoft.com/office/drawing/2010/main" w="9525">
                     <a:solidFill>
                       <a:srgbClr val="000000"/>
                     </a:solidFill>
@@ -10621,7 +10626,7 @@
               </a:ln>
               <a:extLst>
                 <a:ext uri="{91240B29-F687-4f45-9708-019B960494DF}">
-                  <a14:hiddenLine xmlns:a14="http://schemas.microsoft.com/office/drawing/2010/main" xmlns="" w="9525">
+                  <a14:hiddenLine xmlns="" xmlns:a14="http://schemas.microsoft.com/office/drawing/2010/main" w="9525">
                     <a:solidFill>
                       <a:srgbClr val="000000"/>
                     </a:solidFill>
@@ -10711,7 +10716,7 @@
               </a:ln>
               <a:extLst>
                 <a:ext uri="{91240B29-F687-4f45-9708-019B960494DF}">
-                  <a14:hiddenLine xmlns:a14="http://schemas.microsoft.com/office/drawing/2010/main" xmlns="" w="9525">
+                  <a14:hiddenLine xmlns="" xmlns:a14="http://schemas.microsoft.com/office/drawing/2010/main" w="9525">
                     <a:solidFill>
                       <a:srgbClr val="000000"/>
                     </a:solidFill>
@@ -10801,7 +10806,7 @@
               </a:ln>
               <a:extLst>
                 <a:ext uri="{91240B29-F687-4f45-9708-019B960494DF}">
-                  <a14:hiddenLine xmlns:a14="http://schemas.microsoft.com/office/drawing/2010/main" xmlns="" w="9525">
+                  <a14:hiddenLine xmlns="" xmlns:a14="http://schemas.microsoft.com/office/drawing/2010/main" w="9525">
                     <a:solidFill>
                       <a:srgbClr val="000000"/>
                     </a:solidFill>
@@ -10866,7 +10871,7 @@
               </a:ln>
               <a:extLst>
                 <a:ext uri="{91240B29-F687-4f45-9708-019B960494DF}">
-                  <a14:hiddenLine xmlns:a14="http://schemas.microsoft.com/office/drawing/2010/main" xmlns="" w="9525">
+                  <a14:hiddenLine xmlns="" xmlns:a14="http://schemas.microsoft.com/office/drawing/2010/main" w="9525">
                     <a:solidFill>
                       <a:srgbClr val="000000"/>
                     </a:solidFill>
@@ -10986,7 +10991,7 @@
               </a:ln>
               <a:extLst>
                 <a:ext uri="{91240B29-F687-4f45-9708-019B960494DF}">
-                  <a14:hiddenLine xmlns:a14="http://schemas.microsoft.com/office/drawing/2010/main" xmlns="" w="9525">
+                  <a14:hiddenLine xmlns="" xmlns:a14="http://schemas.microsoft.com/office/drawing/2010/main" w="9525">
                     <a:solidFill>
                       <a:srgbClr val="000000"/>
                     </a:solidFill>
@@ -11084,7 +11089,7 @@
               </a:ln>
               <a:extLst>
                 <a:ext uri="{91240B29-F687-4f45-9708-019B960494DF}">
-                  <a14:hiddenLine xmlns:a14="http://schemas.microsoft.com/office/drawing/2010/main" xmlns="" w="9525">
+                  <a14:hiddenLine xmlns="" xmlns:a14="http://schemas.microsoft.com/office/drawing/2010/main" w="9525">
                     <a:solidFill>
                       <a:srgbClr val="000000"/>
                     </a:solidFill>
@@ -11199,7 +11204,7 @@
               </a:ln>
               <a:extLst>
                 <a:ext uri="{91240B29-F687-4f45-9708-019B960494DF}">
-                  <a14:hiddenLine xmlns:a14="http://schemas.microsoft.com/office/drawing/2010/main" xmlns="" w="9525">
+                  <a14:hiddenLine xmlns="" xmlns:a14="http://schemas.microsoft.com/office/drawing/2010/main" w="9525">
                     <a:solidFill>
                       <a:srgbClr val="000000"/>
                     </a:solidFill>
@@ -11289,7 +11294,7 @@
               </a:ln>
               <a:extLst>
                 <a:ext uri="{91240B29-F687-4f45-9708-019B960494DF}">
-                  <a14:hiddenLine xmlns:a14="http://schemas.microsoft.com/office/drawing/2010/main" xmlns="" w="9525">
+                  <a14:hiddenLine xmlns="" xmlns:a14="http://schemas.microsoft.com/office/drawing/2010/main" w="9525">
                     <a:solidFill>
                       <a:srgbClr val="000000"/>
                     </a:solidFill>
@@ -11354,7 +11359,7 @@
               </a:ln>
               <a:extLst>
                 <a:ext uri="{91240B29-F687-4f45-9708-019B960494DF}">
-                  <a14:hiddenLine xmlns:a14="http://schemas.microsoft.com/office/drawing/2010/main" xmlns="" w="9525">
+                  <a14:hiddenLine xmlns="" xmlns:a14="http://schemas.microsoft.com/office/drawing/2010/main" w="9525">
                     <a:solidFill>
                       <a:srgbClr val="000000"/>
                     </a:solidFill>
@@ -11444,7 +11449,7 @@
               </a:ln>
               <a:extLst>
                 <a:ext uri="{91240B29-F687-4f45-9708-019B960494DF}">
-                  <a14:hiddenLine xmlns:a14="http://schemas.microsoft.com/office/drawing/2010/main" xmlns="" w="9525">
+                  <a14:hiddenLine xmlns="" xmlns:a14="http://schemas.microsoft.com/office/drawing/2010/main" w="9525">
                     <a:solidFill>
                       <a:srgbClr val="000000"/>
                     </a:solidFill>
@@ -11512,7 +11517,7 @@
               </a:ln>
               <a:extLst>
                 <a:ext uri="{91240B29-F687-4f45-9708-019B960494DF}">
-                  <a14:hiddenLine xmlns:a14="http://schemas.microsoft.com/office/drawing/2010/main" xmlns="" w="9525">
+                  <a14:hiddenLine xmlns="" xmlns:a14="http://schemas.microsoft.com/office/drawing/2010/main" w="9525">
                     <a:solidFill>
                       <a:srgbClr val="000000"/>
                     </a:solidFill>
@@ -11602,7 +11607,7 @@
               </a:ln>
               <a:extLst>
                 <a:ext uri="{91240B29-F687-4f45-9708-019B960494DF}">
-                  <a14:hiddenLine xmlns:a14="http://schemas.microsoft.com/office/drawing/2010/main" xmlns="" w="9525">
+                  <a14:hiddenLine xmlns="" xmlns:a14="http://schemas.microsoft.com/office/drawing/2010/main" w="9525">
                     <a:solidFill>
                       <a:srgbClr val="000000"/>
                     </a:solidFill>
@@ -11670,7 +11675,7 @@
               </a:ln>
               <a:extLst>
                 <a:ext uri="{91240B29-F687-4f45-9708-019B960494DF}">
-                  <a14:hiddenLine xmlns:a14="http://schemas.microsoft.com/office/drawing/2010/main" xmlns="" w="9525">
+                  <a14:hiddenLine xmlns="" xmlns:a14="http://schemas.microsoft.com/office/drawing/2010/main" w="9525">
                     <a:solidFill>
                       <a:srgbClr val="000000"/>
                     </a:solidFill>
@@ -11760,7 +11765,7 @@
               </a:ln>
               <a:extLst>
                 <a:ext uri="{91240B29-F687-4f45-9708-019B960494DF}">
-                  <a14:hiddenLine xmlns:a14="http://schemas.microsoft.com/office/drawing/2010/main" xmlns="" w="9525">
+                  <a14:hiddenLine xmlns="" xmlns:a14="http://schemas.microsoft.com/office/drawing/2010/main" w="9525">
                     <a:solidFill>
                       <a:srgbClr val="000000"/>
                     </a:solidFill>
@@ -11794,7 +11799,7 @@
               </a:ln>
               <a:extLst>
                 <a:ext uri="{91240B29-F687-4f45-9708-019B960494DF}">
-                  <a14:hiddenLine xmlns:a14="http://schemas.microsoft.com/office/drawing/2010/main" xmlns="" w="9525">
+                  <a14:hiddenLine xmlns="" xmlns:a14="http://schemas.microsoft.com/office/drawing/2010/main" w="9525">
                     <a:solidFill>
                       <a:srgbClr val="000000"/>
                     </a:solidFill>
@@ -11935,7 +11940,7 @@
             <a:fld id="{48A87A34-81AB-432B-8DAE-1953F412C126}" type="datetimeFigureOut">
               <a:rPr lang="en-US" dirty="0"/>
               <a:pPr/>
-              <a:t>5/22/19</a:t>
+              <a:t>5/27/19</a:t>
             </a:fld>
             <a:endParaRPr lang="en-US" dirty="0"/>
           </a:p>
@@ -13836,90 +13841,6 @@
           </a:p>
         </p:txBody>
       </p:sp>
-      <p:pic>
-        <p:nvPicPr>
-          <p:cNvPr id="4" name="Picture 3">
-            <a:extLst>
-              <a:ext uri="{FF2B5EF4-FFF2-40B4-BE49-F238E27FC236}">
-                <a16:creationId xmlns:a16="http://schemas.microsoft.com/office/drawing/2014/main" id="{9299D673-6846-2E4E-91E4-EA6C2650166F}"/>
-              </a:ext>
-            </a:extLst>
-          </p:cNvPr>
-          <p:cNvPicPr>
-            <a:picLocks noChangeAspect="1"/>
-          </p:cNvPicPr>
-          <p:nvPr/>
-        </p:nvPicPr>
-        <p:blipFill>
-          <a:blip r:embed="rId2">
-            <a:extLst>
-              <a:ext uri="{28A0092B-C50C-407E-A947-70E740481C1C}">
-                <a14:useLocalDpi xmlns:a14="http://schemas.microsoft.com/office/drawing/2010/main" val="0"/>
-              </a:ext>
-            </a:extLst>
-          </a:blip>
-          <a:srcRect/>
-          <a:stretch>
-            <a:fillRect/>
-          </a:stretch>
-        </p:blipFill>
-        <p:spPr bwMode="auto">
-          <a:xfrm>
-            <a:off x="1287135" y="3701926"/>
-            <a:ext cx="3781610" cy="2194560"/>
-          </a:xfrm>
-          <a:prstGeom prst="rect">
-            <a:avLst/>
-          </a:prstGeom>
-          <a:noFill/>
-          <a:ln>
-            <a:noFill/>
-          </a:ln>
-          <a:effectLst/>
-        </p:spPr>
-      </p:pic>
-      <p:pic>
-        <p:nvPicPr>
-          <p:cNvPr id="5" name="Picture 4">
-            <a:extLst>
-              <a:ext uri="{FF2B5EF4-FFF2-40B4-BE49-F238E27FC236}">
-                <a16:creationId xmlns:a16="http://schemas.microsoft.com/office/drawing/2014/main" id="{3BD21CB9-E6D4-B347-8203-7B30508C7B32}"/>
-              </a:ext>
-            </a:extLst>
-          </p:cNvPr>
-          <p:cNvPicPr>
-            <a:picLocks noChangeAspect="1"/>
-          </p:cNvPicPr>
-          <p:nvPr/>
-        </p:nvPicPr>
-        <p:blipFill>
-          <a:blip r:embed="rId3">
-            <a:extLst>
-              <a:ext uri="{28A0092B-C50C-407E-A947-70E740481C1C}">
-                <a14:useLocalDpi xmlns:a14="http://schemas.microsoft.com/office/drawing/2010/main" val="0"/>
-              </a:ext>
-            </a:extLst>
-          </a:blip>
-          <a:srcRect/>
-          <a:stretch>
-            <a:fillRect/>
-          </a:stretch>
-        </p:blipFill>
-        <p:spPr bwMode="auto">
-          <a:xfrm>
-            <a:off x="6094412" y="3142581"/>
-            <a:ext cx="4297680" cy="3037224"/>
-          </a:xfrm>
-          <a:prstGeom prst="rect">
-            <a:avLst/>
-          </a:prstGeom>
-          <a:noFill/>
-          <a:ln>
-            <a:noFill/>
-          </a:ln>
-          <a:effectLst/>
-        </p:spPr>
-      </p:pic>
       <p:sp>
         <p:nvSpPr>
           <p:cNvPr id="6" name="TextBox 5">
@@ -14037,6 +13958,66 @@
           </a:p>
         </p:txBody>
       </p:sp>
+      <p:pic>
+        <p:nvPicPr>
+          <p:cNvPr id="9" name="Picture 8">
+            <a:extLst>
+              <a:ext uri="{FF2B5EF4-FFF2-40B4-BE49-F238E27FC236}">
+                <a16:creationId xmlns:a16="http://schemas.microsoft.com/office/drawing/2014/main" id="{FC6C779F-1FE8-204C-BC39-52F4038D7492}"/>
+              </a:ext>
+            </a:extLst>
+          </p:cNvPr>
+          <p:cNvPicPr>
+            <a:picLocks noChangeAspect="1"/>
+          </p:cNvPicPr>
+          <p:nvPr/>
+        </p:nvPicPr>
+        <p:blipFill>
+          <a:blip r:embed="rId2"/>
+          <a:stretch>
+            <a:fillRect/>
+          </a:stretch>
+        </p:blipFill>
+        <p:spPr>
+          <a:xfrm>
+            <a:off x="6094412" y="3332594"/>
+            <a:ext cx="4356100" cy="2997200"/>
+          </a:xfrm>
+          <a:prstGeom prst="rect">
+            <a:avLst/>
+          </a:prstGeom>
+        </p:spPr>
+      </p:pic>
+      <p:pic>
+        <p:nvPicPr>
+          <p:cNvPr id="11" name="Picture 10">
+            <a:extLst>
+              <a:ext uri="{FF2B5EF4-FFF2-40B4-BE49-F238E27FC236}">
+                <a16:creationId xmlns:a16="http://schemas.microsoft.com/office/drawing/2014/main" id="{8673A5B2-8865-F94F-81CF-D80570C04FC0}"/>
+              </a:ext>
+            </a:extLst>
+          </p:cNvPr>
+          <p:cNvPicPr>
+            <a:picLocks noChangeAspect="1"/>
+          </p:cNvPicPr>
+          <p:nvPr/>
+        </p:nvPicPr>
+        <p:blipFill>
+          <a:blip r:embed="rId3"/>
+          <a:stretch>
+            <a:fillRect/>
+          </a:stretch>
+        </p:blipFill>
+        <p:spPr>
+          <a:xfrm>
+            <a:off x="690336" y="3933371"/>
+            <a:ext cx="5041900" cy="2082800"/>
+          </a:xfrm>
+          <a:prstGeom prst="rect">
+            <a:avLst/>
+          </a:prstGeom>
+        </p:spPr>
+      </p:pic>
     </p:spTree>
     <p:extLst>
       <p:ext uri="{BB962C8B-B14F-4D97-AF65-F5344CB8AC3E}">
@@ -14110,7 +14091,7 @@
         <p:spPr>
           <a:xfrm>
             <a:off x="1141412" y="2097088"/>
-            <a:ext cx="9423763" cy="1531188"/>
+            <a:ext cx="9423763" cy="2270173"/>
           </a:xfrm>
           <a:prstGeom prst="rect">
             <a:avLst/>
@@ -14134,7 +14115,7 @@
                 <a:ea typeface="SimSun" panose="02010600030101010101" pitchFamily="2" charset="-122"/>
                 <a:cs typeface="Times New Roman" panose="02020603050405020304" pitchFamily="18" charset="0"/>
               </a:rPr>
-              <a:t>Using venue one hot encoding and K-mean clustering we can obtain very distinct neighborhood clusters for NYC and Toronto</a:t>
+              <a:t>New York has 5 boroughs and 306 neighborhoods. </a:t>
             </a:r>
           </a:p>
           <a:p>
@@ -14150,7 +14131,7 @@
                 <a:ea typeface="SimSun" panose="02010600030101010101" pitchFamily="2" charset="-122"/>
                 <a:cs typeface="Times New Roman" panose="02020603050405020304" pitchFamily="18" charset="0"/>
               </a:rPr>
-              <a:t>The cluster demonstrated in the map is very meaningful and informative.</a:t>
+              <a:t>Toronto has 11 boroughs and 103 neighborhoods. </a:t>
             </a:r>
           </a:p>
           <a:p>
@@ -14161,14 +14142,61 @@
               <a:buAutoNum type="arabicPeriod"/>
             </a:pPr>
             <a:r>
-              <a:rPr lang="en-US" sz="1600" dirty="0"/>
-              <a:t>Cluster in NY [0, 1, 2, 3, 4] is mapped to [[0, 4], 1, 3, 2, 0] in Toronto. </a:t>
-            </a:r>
-            <a:endParaRPr lang="en-US" sz="1600" dirty="0">
-              <a:latin typeface="Calibri" panose="020F0502020204030204" pitchFamily="34" charset="0"/>
-              <a:ea typeface="SimSun" panose="02010600030101010101" pitchFamily="2" charset="-122"/>
-              <a:cs typeface="Times New Roman" panose="02020603050405020304" pitchFamily="18" charset="0"/>
-            </a:endParaRPr>
+              <a:rPr lang="en-US" sz="1600" dirty="0">
+                <a:latin typeface="Calibri" panose="020F0502020204030204" pitchFamily="34" charset="0"/>
+                <a:ea typeface="SimSun" panose="02010600030101010101" pitchFamily="2" charset="-122"/>
+                <a:cs typeface="Times New Roman" panose="02020603050405020304" pitchFamily="18" charset="0"/>
+              </a:rPr>
+              <a:t>New York and Toronto can be divided to 5 cluster area with distinct venues differences.  </a:t>
+            </a:r>
+          </a:p>
+          <a:p>
+            <a:pPr marL="342900" indent="-342900">
+              <a:lnSpc>
+                <a:spcPct val="150000"/>
+              </a:lnSpc>
+              <a:buAutoNum type="arabicPeriod"/>
+            </a:pPr>
+            <a:r>
+              <a:rPr lang="en-US" sz="1600" dirty="0">
+                <a:latin typeface="Calibri" panose="020F0502020204030204" pitchFamily="34" charset="0"/>
+                <a:ea typeface="SimSun" panose="02010600030101010101" pitchFamily="2" charset="-122"/>
+                <a:cs typeface="Times New Roman" panose="02020603050405020304" pitchFamily="18" charset="0"/>
+              </a:rPr>
+              <a:t>New York cluster 1 and 4 is most prosperous area and both mainly located in Manhattan </a:t>
+            </a:r>
+          </a:p>
+          <a:p>
+            <a:pPr marL="342900" indent="-342900">
+              <a:lnSpc>
+                <a:spcPct val="150000"/>
+              </a:lnSpc>
+              <a:buAutoNum type="arabicPeriod"/>
+            </a:pPr>
+            <a:r>
+              <a:rPr lang="en-US" sz="1600" dirty="0">
+                <a:latin typeface="Calibri" panose="020F0502020204030204" pitchFamily="34" charset="0"/>
+                <a:ea typeface="SimSun" panose="02010600030101010101" pitchFamily="2" charset="-122"/>
+                <a:cs typeface="Times New Roman" panose="02020603050405020304" pitchFamily="18" charset="0"/>
+              </a:rPr>
+              <a:t>Toronto cluster 1 and 4 is also most prosperous area and both mainly located in financial district near the water in Toronto. Cluster 0 in both cities are the </a:t>
+            </a:r>
+            <a:r>
+              <a:rPr lang="en-US" sz="1600" dirty="0" err="1">
+                <a:latin typeface="Calibri" panose="020F0502020204030204" pitchFamily="34" charset="0"/>
+                <a:ea typeface="SimSun" panose="02010600030101010101" pitchFamily="2" charset="-122"/>
+                <a:cs typeface="Times New Roman" panose="02020603050405020304" pitchFamily="18" charset="0"/>
+              </a:rPr>
+              <a:t>peimeter</a:t>
+            </a:r>
+            <a:r>
+              <a:rPr lang="en-US" sz="1600" dirty="0">
+                <a:latin typeface="Calibri" panose="020F0502020204030204" pitchFamily="34" charset="0"/>
+                <a:ea typeface="SimSun" panose="02010600030101010101" pitchFamily="2" charset="-122"/>
+                <a:cs typeface="Times New Roman" panose="02020603050405020304" pitchFamily="18" charset="0"/>
+              </a:rPr>
+              <a:t> zone. Cluster 2 and 3 are local commercial areas. </a:t>
+            </a:r>
           </a:p>
         </p:txBody>
       </p:sp>

--- a/Capstone Project.pptx
+++ b/Capstone Project.pptx
@@ -170,7 +170,7 @@
           <a:noFill/>
           <a:extLst>
             <a:ext uri="{909E8E84-426E-40dd-AFC4-6F175D3DCCD1}">
-              <a14:hiddenFill xmlns="" xmlns:a14="http://schemas.microsoft.com/office/drawing/2010/main">
+              <a14:hiddenFill xmlns:a14="http://schemas.microsoft.com/office/drawing/2010/main" xmlns="">
                 <a:solidFill>
                   <a:srgbClr val="FFFFFF"/>
                 </a:solidFill>
@@ -230,7 +230,7 @@
             </a:ln>
             <a:extLst>
               <a:ext uri="{91240B29-F687-4f45-9708-019B960494DF}">
-                <a14:hiddenLine xmlns="" xmlns:a14="http://schemas.microsoft.com/office/drawing/2010/main" w="9525">
+                <a14:hiddenLine xmlns:a14="http://schemas.microsoft.com/office/drawing/2010/main" xmlns="" w="9525">
                   <a:solidFill>
                     <a:srgbClr val="000000"/>
                   </a:solidFill>
@@ -320,7 +320,7 @@
             </a:ln>
             <a:extLst>
               <a:ext uri="{91240B29-F687-4f45-9708-019B960494DF}">
-                <a14:hiddenLine xmlns="" xmlns:a14="http://schemas.microsoft.com/office/drawing/2010/main" w="9525">
+                <a14:hiddenLine xmlns:a14="http://schemas.microsoft.com/office/drawing/2010/main" xmlns="" w="9525">
                   <a:solidFill>
                     <a:srgbClr val="000000"/>
                   </a:solidFill>
@@ -410,7 +410,7 @@
             </a:ln>
             <a:extLst>
               <a:ext uri="{91240B29-F687-4f45-9708-019B960494DF}">
-                <a14:hiddenLine xmlns="" xmlns:a14="http://schemas.microsoft.com/office/drawing/2010/main" w="9525">
+                <a14:hiddenLine xmlns:a14="http://schemas.microsoft.com/office/drawing/2010/main" xmlns="" w="9525">
                   <a:solidFill>
                     <a:srgbClr val="000000"/>
                   </a:solidFill>
@@ -444,7 +444,7 @@
             </a:ln>
             <a:extLst>
               <a:ext uri="{91240B29-F687-4f45-9708-019B960494DF}">
-                <a14:hiddenLine xmlns="" xmlns:a14="http://schemas.microsoft.com/office/drawing/2010/main" w="9525">
+                <a14:hiddenLine xmlns:a14="http://schemas.microsoft.com/office/drawing/2010/main" xmlns="" w="9525">
                   <a:solidFill>
                     <a:srgbClr val="000000"/>
                   </a:solidFill>
@@ -534,7 +534,7 @@
             </a:ln>
             <a:extLst>
               <a:ext uri="{91240B29-F687-4f45-9708-019B960494DF}">
-                <a14:hiddenLine xmlns="" xmlns:a14="http://schemas.microsoft.com/office/drawing/2010/main" w="9525">
+                <a14:hiddenLine xmlns:a14="http://schemas.microsoft.com/office/drawing/2010/main" xmlns="" w="9525">
                   <a:solidFill>
                     <a:srgbClr val="000000"/>
                   </a:solidFill>
@@ -596,7 +596,7 @@
             </a:ln>
             <a:extLst>
               <a:ext uri="{91240B29-F687-4f45-9708-019B960494DF}">
-                <a14:hiddenLine xmlns="" xmlns:a14="http://schemas.microsoft.com/office/drawing/2010/main" w="9525">
+                <a14:hiddenLine xmlns:a14="http://schemas.microsoft.com/office/drawing/2010/main" xmlns="" w="9525">
                   <a:solidFill>
                     <a:srgbClr val="000000"/>
                   </a:solidFill>
@@ -658,7 +658,7 @@
             </a:ln>
             <a:extLst>
               <a:ext uri="{91240B29-F687-4f45-9708-019B960494DF}">
-                <a14:hiddenLine xmlns="" xmlns:a14="http://schemas.microsoft.com/office/drawing/2010/main" w="9525">
+                <a14:hiddenLine xmlns:a14="http://schemas.microsoft.com/office/drawing/2010/main" xmlns="" w="9525">
                   <a:solidFill>
                     <a:srgbClr val="000000"/>
                   </a:solidFill>
@@ -748,7 +748,7 @@
             </a:ln>
             <a:extLst>
               <a:ext uri="{91240B29-F687-4f45-9708-019B960494DF}">
-                <a14:hiddenLine xmlns="" xmlns:a14="http://schemas.microsoft.com/office/drawing/2010/main" w="9525">
+                <a14:hiddenLine xmlns:a14="http://schemas.microsoft.com/office/drawing/2010/main" xmlns="" w="9525">
                   <a:solidFill>
                     <a:srgbClr val="000000"/>
                   </a:solidFill>
@@ -810,7 +810,7 @@
             </a:ln>
             <a:extLst>
               <a:ext uri="{91240B29-F687-4f45-9708-019B960494DF}">
-                <a14:hiddenLine xmlns="" xmlns:a14="http://schemas.microsoft.com/office/drawing/2010/main" w="9525">
+                <a14:hiddenLine xmlns:a14="http://schemas.microsoft.com/office/drawing/2010/main" xmlns="" w="9525">
                   <a:solidFill>
                     <a:srgbClr val="000000"/>
                   </a:solidFill>
@@ -872,7 +872,7 @@
             </a:ln>
             <a:extLst>
               <a:ext uri="{91240B29-F687-4f45-9708-019B960494DF}">
-                <a14:hiddenLine xmlns="" xmlns:a14="http://schemas.microsoft.com/office/drawing/2010/main" w="9525">
+                <a14:hiddenLine xmlns:a14="http://schemas.microsoft.com/office/drawing/2010/main" xmlns="" w="9525">
                   <a:solidFill>
                     <a:srgbClr val="000000"/>
                   </a:solidFill>
@@ -962,7 +962,7 @@
             </a:ln>
             <a:extLst>
               <a:ext uri="{91240B29-F687-4f45-9708-019B960494DF}">
-                <a14:hiddenLine xmlns="" xmlns:a14="http://schemas.microsoft.com/office/drawing/2010/main" w="9525">
+                <a14:hiddenLine xmlns:a14="http://schemas.microsoft.com/office/drawing/2010/main" xmlns="" w="9525">
                   <a:solidFill>
                     <a:srgbClr val="000000"/>
                   </a:solidFill>
@@ -1052,7 +1052,7 @@
             </a:ln>
             <a:extLst>
               <a:ext uri="{91240B29-F687-4f45-9708-019B960494DF}">
-                <a14:hiddenLine xmlns="" xmlns:a14="http://schemas.microsoft.com/office/drawing/2010/main" w="9525">
+                <a14:hiddenLine xmlns:a14="http://schemas.microsoft.com/office/drawing/2010/main" xmlns="" w="9525">
                   <a:solidFill>
                     <a:srgbClr val="000000"/>
                   </a:solidFill>
@@ -1114,7 +1114,7 @@
             </a:ln>
             <a:extLst>
               <a:ext uri="{91240B29-F687-4f45-9708-019B960494DF}">
-                <a14:hiddenLine xmlns="" xmlns:a14="http://schemas.microsoft.com/office/drawing/2010/main" w="9525">
+                <a14:hiddenLine xmlns:a14="http://schemas.microsoft.com/office/drawing/2010/main" xmlns="" w="9525">
                   <a:solidFill>
                     <a:srgbClr val="000000"/>
                   </a:solidFill>
@@ -1224,7 +1224,7 @@
             </a:ln>
             <a:extLst>
               <a:ext uri="{91240B29-F687-4f45-9708-019B960494DF}">
-                <a14:hiddenLine xmlns="" xmlns:a14="http://schemas.microsoft.com/office/drawing/2010/main" w="9525">
+                <a14:hiddenLine xmlns:a14="http://schemas.microsoft.com/office/drawing/2010/main" xmlns="" w="9525">
                   <a:solidFill>
                     <a:srgbClr val="000000"/>
                   </a:solidFill>
@@ -1286,7 +1286,7 @@
             </a:ln>
             <a:extLst>
               <a:ext uri="{91240B29-F687-4f45-9708-019B960494DF}">
-                <a14:hiddenLine xmlns="" xmlns:a14="http://schemas.microsoft.com/office/drawing/2010/main" w="9525">
+                <a14:hiddenLine xmlns:a14="http://schemas.microsoft.com/office/drawing/2010/main" xmlns="" w="9525">
                   <a:solidFill>
                     <a:srgbClr val="000000"/>
                   </a:solidFill>
@@ -1376,7 +1376,7 @@
             </a:ln>
             <a:extLst>
               <a:ext uri="{91240B29-F687-4f45-9708-019B960494DF}">
-                <a14:hiddenLine xmlns="" xmlns:a14="http://schemas.microsoft.com/office/drawing/2010/main" w="9525">
+                <a14:hiddenLine xmlns:a14="http://schemas.microsoft.com/office/drawing/2010/main" xmlns="" w="9525">
                   <a:solidFill>
                     <a:srgbClr val="000000"/>
                   </a:solidFill>
@@ -1466,7 +1466,7 @@
             </a:ln>
             <a:extLst>
               <a:ext uri="{91240B29-F687-4f45-9708-019B960494DF}">
-                <a14:hiddenLine xmlns="" xmlns:a14="http://schemas.microsoft.com/office/drawing/2010/main" w="9525">
+                <a14:hiddenLine xmlns:a14="http://schemas.microsoft.com/office/drawing/2010/main" xmlns="" w="9525">
                   <a:solidFill>
                     <a:srgbClr val="000000"/>
                   </a:solidFill>
@@ -1528,7 +1528,7 @@
             </a:ln>
             <a:extLst>
               <a:ext uri="{91240B29-F687-4f45-9708-019B960494DF}">
-                <a14:hiddenLine xmlns="" xmlns:a14="http://schemas.microsoft.com/office/drawing/2010/main" w="9525">
+                <a14:hiddenLine xmlns:a14="http://schemas.microsoft.com/office/drawing/2010/main" xmlns="" w="9525">
                   <a:solidFill>
                     <a:srgbClr val="000000"/>
                   </a:solidFill>
@@ -1618,7 +1618,7 @@
             </a:ln>
             <a:extLst>
               <a:ext uri="{91240B29-F687-4f45-9708-019B960494DF}">
-                <a14:hiddenLine xmlns="" xmlns:a14="http://schemas.microsoft.com/office/drawing/2010/main" w="9525">
+                <a14:hiddenLine xmlns:a14="http://schemas.microsoft.com/office/drawing/2010/main" xmlns="" w="9525">
                   <a:solidFill>
                     <a:srgbClr val="000000"/>
                   </a:solidFill>
@@ -1708,7 +1708,7 @@
             </a:ln>
             <a:extLst>
               <a:ext uri="{91240B29-F687-4f45-9708-019B960494DF}">
-                <a14:hiddenLine xmlns="" xmlns:a14="http://schemas.microsoft.com/office/drawing/2010/main" w="9525">
+                <a14:hiddenLine xmlns:a14="http://schemas.microsoft.com/office/drawing/2010/main" xmlns="" w="9525">
                   <a:solidFill>
                     <a:srgbClr val="000000"/>
                   </a:solidFill>
@@ -1764,7 +1764,7 @@
             </a:ln>
             <a:extLst>
               <a:ext uri="{91240B29-F687-4f45-9708-019B960494DF}">
-                <a14:hiddenLine xmlns="" xmlns:a14="http://schemas.microsoft.com/office/drawing/2010/main" w="9525">
+                <a14:hiddenLine xmlns:a14="http://schemas.microsoft.com/office/drawing/2010/main" xmlns="" w="9525">
                   <a:solidFill>
                     <a:srgbClr val="000000"/>
                   </a:solidFill>
@@ -1854,7 +1854,7 @@
             </a:ln>
             <a:extLst>
               <a:ext uri="{91240B29-F687-4f45-9708-019B960494DF}">
-                <a14:hiddenLine xmlns="" xmlns:a14="http://schemas.microsoft.com/office/drawing/2010/main" w="9525">
+                <a14:hiddenLine xmlns:a14="http://schemas.microsoft.com/office/drawing/2010/main" xmlns="" w="9525">
                   <a:solidFill>
                     <a:srgbClr val="000000"/>
                   </a:solidFill>
@@ -1910,7 +1910,7 @@
             </a:ln>
             <a:extLst>
               <a:ext uri="{91240B29-F687-4f45-9708-019B960494DF}">
-                <a14:hiddenLine xmlns="" xmlns:a14="http://schemas.microsoft.com/office/drawing/2010/main" w="9525">
+                <a14:hiddenLine xmlns:a14="http://schemas.microsoft.com/office/drawing/2010/main" xmlns="" w="9525">
                   <a:solidFill>
                     <a:srgbClr val="000000"/>
                   </a:solidFill>
@@ -2000,7 +2000,7 @@
             </a:ln>
             <a:extLst>
               <a:ext uri="{91240B29-F687-4f45-9708-019B960494DF}">
-                <a14:hiddenLine xmlns="" xmlns:a14="http://schemas.microsoft.com/office/drawing/2010/main" w="9525">
+                <a14:hiddenLine xmlns:a14="http://schemas.microsoft.com/office/drawing/2010/main" xmlns="" w="9525">
                   <a:solidFill>
                     <a:srgbClr val="000000"/>
                   </a:solidFill>
@@ -2068,7 +2068,7 @@
             </a:ln>
             <a:extLst>
               <a:ext uri="{91240B29-F687-4f45-9708-019B960494DF}">
-                <a14:hiddenLine xmlns="" xmlns:a14="http://schemas.microsoft.com/office/drawing/2010/main" w="9525">
+                <a14:hiddenLine xmlns:a14="http://schemas.microsoft.com/office/drawing/2010/main" xmlns="" w="9525">
                   <a:solidFill>
                     <a:srgbClr val="000000"/>
                   </a:solidFill>
@@ -2158,7 +2158,7 @@
             </a:ln>
             <a:extLst>
               <a:ext uri="{91240B29-F687-4f45-9708-019B960494DF}">
-                <a14:hiddenLine xmlns="" xmlns:a14="http://schemas.microsoft.com/office/drawing/2010/main" w="9525">
+                <a14:hiddenLine xmlns:a14="http://schemas.microsoft.com/office/drawing/2010/main" xmlns="" w="9525">
                   <a:solidFill>
                     <a:srgbClr val="000000"/>
                   </a:solidFill>
@@ -2226,7 +2226,7 @@
             </a:ln>
             <a:extLst>
               <a:ext uri="{91240B29-F687-4f45-9708-019B960494DF}">
-                <a14:hiddenLine xmlns="" xmlns:a14="http://schemas.microsoft.com/office/drawing/2010/main" w="9525">
+                <a14:hiddenLine xmlns:a14="http://schemas.microsoft.com/office/drawing/2010/main" xmlns="" w="9525">
                   <a:solidFill>
                     <a:srgbClr val="000000"/>
                   </a:solidFill>
@@ -2316,7 +2316,7 @@
             </a:ln>
             <a:extLst>
               <a:ext uri="{91240B29-F687-4f45-9708-019B960494DF}">
-                <a14:hiddenLine xmlns="" xmlns:a14="http://schemas.microsoft.com/office/drawing/2010/main" w="9525">
+                <a14:hiddenLine xmlns:a14="http://schemas.microsoft.com/office/drawing/2010/main" xmlns="" w="9525">
                   <a:solidFill>
                     <a:srgbClr val="000000"/>
                   </a:solidFill>
@@ -2350,7 +2350,7 @@
             </a:ln>
             <a:extLst>
               <a:ext uri="{91240B29-F687-4f45-9708-019B960494DF}">
-                <a14:hiddenLine xmlns="" xmlns:a14="http://schemas.microsoft.com/office/drawing/2010/main" w="9525">
+                <a14:hiddenLine xmlns:a14="http://schemas.microsoft.com/office/drawing/2010/main" xmlns="" w="9525">
                   <a:solidFill>
                     <a:srgbClr val="000000"/>
                   </a:solidFill>
@@ -2440,7 +2440,7 @@
             </a:ln>
             <a:extLst>
               <a:ext uri="{91240B29-F687-4f45-9708-019B960494DF}">
-                <a14:hiddenLine xmlns="" xmlns:a14="http://schemas.microsoft.com/office/drawing/2010/main" w="9525">
+                <a14:hiddenLine xmlns:a14="http://schemas.microsoft.com/office/drawing/2010/main" xmlns="" w="9525">
                   <a:solidFill>
                     <a:srgbClr val="000000"/>
                   </a:solidFill>
@@ -2502,7 +2502,7 @@
             </a:ln>
             <a:extLst>
               <a:ext uri="{91240B29-F687-4f45-9708-019B960494DF}">
-                <a14:hiddenLine xmlns="" xmlns:a14="http://schemas.microsoft.com/office/drawing/2010/main" w="9525">
+                <a14:hiddenLine xmlns:a14="http://schemas.microsoft.com/office/drawing/2010/main" xmlns="" w="9525">
                   <a:solidFill>
                     <a:srgbClr val="000000"/>
                   </a:solidFill>
@@ -2564,7 +2564,7 @@
             </a:ln>
             <a:extLst>
               <a:ext uri="{91240B29-F687-4f45-9708-019B960494DF}">
-                <a14:hiddenLine xmlns="" xmlns:a14="http://schemas.microsoft.com/office/drawing/2010/main" w="9525">
+                <a14:hiddenLine xmlns:a14="http://schemas.microsoft.com/office/drawing/2010/main" xmlns="" w="9525">
                   <a:solidFill>
                     <a:srgbClr val="000000"/>
                   </a:solidFill>
@@ -2654,7 +2654,7 @@
             </a:ln>
             <a:extLst>
               <a:ext uri="{91240B29-F687-4f45-9708-019B960494DF}">
-                <a14:hiddenLine xmlns="" xmlns:a14="http://schemas.microsoft.com/office/drawing/2010/main" w="9525">
+                <a14:hiddenLine xmlns:a14="http://schemas.microsoft.com/office/drawing/2010/main" xmlns="" w="9525">
                   <a:solidFill>
                     <a:srgbClr val="000000"/>
                   </a:solidFill>
@@ -2722,7 +2722,7 @@
             </a:ln>
             <a:extLst>
               <a:ext uri="{91240B29-F687-4f45-9708-019B960494DF}">
-                <a14:hiddenLine xmlns="" xmlns:a14="http://schemas.microsoft.com/office/drawing/2010/main" w="9525">
+                <a14:hiddenLine xmlns:a14="http://schemas.microsoft.com/office/drawing/2010/main" xmlns="" w="9525">
                   <a:solidFill>
                     <a:srgbClr val="000000"/>
                   </a:solidFill>
@@ -2784,7 +2784,7 @@
             </a:ln>
             <a:extLst>
               <a:ext uri="{91240B29-F687-4f45-9708-019B960494DF}">
-                <a14:hiddenLine xmlns="" xmlns:a14="http://schemas.microsoft.com/office/drawing/2010/main" w="9525">
+                <a14:hiddenLine xmlns:a14="http://schemas.microsoft.com/office/drawing/2010/main" xmlns="" w="9525">
                   <a:solidFill>
                     <a:srgbClr val="000000"/>
                   </a:solidFill>
@@ -2874,7 +2874,7 @@
             </a:ln>
             <a:extLst>
               <a:ext uri="{91240B29-F687-4f45-9708-019B960494DF}">
-                <a14:hiddenLine xmlns="" xmlns:a14="http://schemas.microsoft.com/office/drawing/2010/main" w="9525">
+                <a14:hiddenLine xmlns:a14="http://schemas.microsoft.com/office/drawing/2010/main" xmlns="" w="9525">
                   <a:solidFill>
                     <a:srgbClr val="000000"/>
                   </a:solidFill>
@@ -2936,7 +2936,7 @@
             </a:ln>
             <a:extLst>
               <a:ext uri="{91240B29-F687-4f45-9708-019B960494DF}">
-                <a14:hiddenLine xmlns="" xmlns:a14="http://schemas.microsoft.com/office/drawing/2010/main" w="9525">
+                <a14:hiddenLine xmlns:a14="http://schemas.microsoft.com/office/drawing/2010/main" xmlns="" w="9525">
                   <a:solidFill>
                     <a:srgbClr val="000000"/>
                   </a:solidFill>
@@ -3026,7 +3026,7 @@
             </a:ln>
             <a:extLst>
               <a:ext uri="{91240B29-F687-4f45-9708-019B960494DF}">
-                <a14:hiddenLine xmlns="" xmlns:a14="http://schemas.microsoft.com/office/drawing/2010/main" w="9525">
+                <a14:hiddenLine xmlns:a14="http://schemas.microsoft.com/office/drawing/2010/main" xmlns="" w="9525">
                   <a:solidFill>
                     <a:srgbClr val="000000"/>
                   </a:solidFill>
@@ -3088,7 +3088,7 @@
             </a:ln>
             <a:extLst>
               <a:ext uri="{91240B29-F687-4f45-9708-019B960494DF}">
-                <a14:hiddenLine xmlns="" xmlns:a14="http://schemas.microsoft.com/office/drawing/2010/main" w="9525">
+                <a14:hiddenLine xmlns:a14="http://schemas.microsoft.com/office/drawing/2010/main" xmlns="" w="9525">
                   <a:solidFill>
                     <a:srgbClr val="000000"/>
                   </a:solidFill>
@@ -3178,7 +3178,7 @@
             </a:ln>
             <a:extLst>
               <a:ext uri="{91240B29-F687-4f45-9708-019B960494DF}">
-                <a14:hiddenLine xmlns="" xmlns:a14="http://schemas.microsoft.com/office/drawing/2010/main" w="9525">
+                <a14:hiddenLine xmlns:a14="http://schemas.microsoft.com/office/drawing/2010/main" xmlns="" w="9525">
                   <a:solidFill>
                     <a:srgbClr val="000000"/>
                   </a:solidFill>
@@ -3212,7 +3212,7 @@
             </a:ln>
             <a:extLst>
               <a:ext uri="{91240B29-F687-4f45-9708-019B960494DF}">
-                <a14:hiddenLine xmlns="" xmlns:a14="http://schemas.microsoft.com/office/drawing/2010/main" w="9525">
+                <a14:hiddenLine xmlns:a14="http://schemas.microsoft.com/office/drawing/2010/main" xmlns="" w="9525">
                   <a:solidFill>
                     <a:srgbClr val="000000"/>
                   </a:solidFill>
@@ -3277,7 +3277,7 @@
             </a:ln>
             <a:extLst>
               <a:ext uri="{91240B29-F687-4f45-9708-019B960494DF}">
-                <a14:hiddenLine xmlns="" xmlns:a14="http://schemas.microsoft.com/office/drawing/2010/main" w="9525">
+                <a14:hiddenLine xmlns:a14="http://schemas.microsoft.com/office/drawing/2010/main" xmlns="" w="9525">
                   <a:solidFill>
                     <a:srgbClr val="000000"/>
                   </a:solidFill>
@@ -3367,7 +3367,7 @@
             </a:ln>
             <a:extLst>
               <a:ext uri="{91240B29-F687-4f45-9708-019B960494DF}">
-                <a14:hiddenLine xmlns="" xmlns:a14="http://schemas.microsoft.com/office/drawing/2010/main" w="9525">
+                <a14:hiddenLine xmlns:a14="http://schemas.microsoft.com/office/drawing/2010/main" xmlns="" w="9525">
                   <a:solidFill>
                     <a:srgbClr val="000000"/>
                   </a:solidFill>
@@ -3429,7 +3429,7 @@
             </a:ln>
             <a:extLst>
               <a:ext uri="{91240B29-F687-4f45-9708-019B960494DF}">
-                <a14:hiddenLine xmlns="" xmlns:a14="http://schemas.microsoft.com/office/drawing/2010/main" w="9525">
+                <a14:hiddenLine xmlns:a14="http://schemas.microsoft.com/office/drawing/2010/main" xmlns="" w="9525">
                   <a:solidFill>
                     <a:srgbClr val="000000"/>
                   </a:solidFill>
@@ -3519,7 +3519,7 @@
             </a:ln>
             <a:extLst>
               <a:ext uri="{91240B29-F687-4f45-9708-019B960494DF}">
-                <a14:hiddenLine xmlns="" xmlns:a14="http://schemas.microsoft.com/office/drawing/2010/main" w="9525">
+                <a14:hiddenLine xmlns:a14="http://schemas.microsoft.com/office/drawing/2010/main" xmlns="" w="9525">
                   <a:solidFill>
                     <a:srgbClr val="000000"/>
                   </a:solidFill>
@@ -3609,7 +3609,7 @@
             </a:ln>
             <a:extLst>
               <a:ext uri="{91240B29-F687-4f45-9708-019B960494DF}">
-                <a14:hiddenLine xmlns="" xmlns:a14="http://schemas.microsoft.com/office/drawing/2010/main" w="9525">
+                <a14:hiddenLine xmlns:a14="http://schemas.microsoft.com/office/drawing/2010/main" xmlns="" w="9525">
                   <a:solidFill>
                     <a:srgbClr val="000000"/>
                   </a:solidFill>
@@ -3674,7 +3674,7 @@
             </a:ln>
             <a:extLst>
               <a:ext uri="{91240B29-F687-4f45-9708-019B960494DF}">
-                <a14:hiddenLine xmlns="" xmlns:a14="http://schemas.microsoft.com/office/drawing/2010/main" w="9525">
+                <a14:hiddenLine xmlns:a14="http://schemas.microsoft.com/office/drawing/2010/main" xmlns="" w="9525">
                   <a:solidFill>
                     <a:srgbClr val="000000"/>
                   </a:solidFill>
@@ -3736,7 +3736,7 @@
             </a:ln>
             <a:extLst>
               <a:ext uri="{91240B29-F687-4f45-9708-019B960494DF}">
-                <a14:hiddenLine xmlns="" xmlns:a14="http://schemas.microsoft.com/office/drawing/2010/main" w="9525">
+                <a14:hiddenLine xmlns:a14="http://schemas.microsoft.com/office/drawing/2010/main" xmlns="" w="9525">
                   <a:solidFill>
                     <a:srgbClr val="000000"/>
                   </a:solidFill>
@@ -3826,7 +3826,7 @@
             </a:ln>
             <a:extLst>
               <a:ext uri="{91240B29-F687-4f45-9708-019B960494DF}">
-                <a14:hiddenLine xmlns="" xmlns:a14="http://schemas.microsoft.com/office/drawing/2010/main" w="9525">
+                <a14:hiddenLine xmlns:a14="http://schemas.microsoft.com/office/drawing/2010/main" xmlns="" w="9525">
                   <a:solidFill>
                     <a:srgbClr val="000000"/>
                   </a:solidFill>
@@ -3916,7 +3916,7 @@
             </a:ln>
             <a:extLst>
               <a:ext uri="{91240B29-F687-4f45-9708-019B960494DF}">
-                <a14:hiddenLine xmlns="" xmlns:a14="http://schemas.microsoft.com/office/drawing/2010/main" w="9525">
+                <a14:hiddenLine xmlns:a14="http://schemas.microsoft.com/office/drawing/2010/main" xmlns="" w="9525">
                   <a:solidFill>
                     <a:srgbClr val="000000"/>
                   </a:solidFill>
@@ -3978,7 +3978,7 @@
             </a:ln>
             <a:extLst>
               <a:ext uri="{91240B29-F687-4f45-9708-019B960494DF}">
-                <a14:hiddenLine xmlns="" xmlns:a14="http://schemas.microsoft.com/office/drawing/2010/main" w="9525">
+                <a14:hiddenLine xmlns:a14="http://schemas.microsoft.com/office/drawing/2010/main" xmlns="" w="9525">
                   <a:solidFill>
                     <a:srgbClr val="000000"/>
                   </a:solidFill>
@@ -4098,7 +4098,7 @@
             </a:ln>
             <a:extLst>
               <a:ext uri="{91240B29-F687-4f45-9708-019B960494DF}">
-                <a14:hiddenLine xmlns="" xmlns:a14="http://schemas.microsoft.com/office/drawing/2010/main" w="9525">
+                <a14:hiddenLine xmlns:a14="http://schemas.microsoft.com/office/drawing/2010/main" xmlns="" w="9525">
                   <a:solidFill>
                     <a:srgbClr val="000000"/>
                   </a:solidFill>
@@ -4166,7 +4166,7 @@
             </a:ln>
             <a:extLst>
               <a:ext uri="{91240B29-F687-4f45-9708-019B960494DF}">
-                <a14:hiddenLine xmlns="" xmlns:a14="http://schemas.microsoft.com/office/drawing/2010/main" w="9525">
+                <a14:hiddenLine xmlns:a14="http://schemas.microsoft.com/office/drawing/2010/main" xmlns="" w="9525">
                   <a:solidFill>
                     <a:srgbClr val="000000"/>
                   </a:solidFill>
@@ -4256,7 +4256,7 @@
             </a:ln>
             <a:extLst>
               <a:ext uri="{91240B29-F687-4f45-9708-019B960494DF}">
-                <a14:hiddenLine xmlns="" xmlns:a14="http://schemas.microsoft.com/office/drawing/2010/main" w="9525">
+                <a14:hiddenLine xmlns:a14="http://schemas.microsoft.com/office/drawing/2010/main" xmlns="" w="9525">
                   <a:solidFill>
                     <a:srgbClr val="000000"/>
                   </a:solidFill>
@@ -8978,7 +8978,7 @@
           <a:noFill/>
           <a:extLst>
             <a:ext uri="{909E8E84-426E-40dd-AFC4-6F175D3DCCD1}">
-              <a14:hiddenFill xmlns="" xmlns:a14="http://schemas.microsoft.com/office/drawing/2010/main">
+              <a14:hiddenFill xmlns:a14="http://schemas.microsoft.com/office/drawing/2010/main" xmlns="">
                 <a:solidFill>
                   <a:srgbClr val="FFFFFF"/>
                 </a:solidFill>
@@ -9052,7 +9052,7 @@
               </a:ln>
               <a:extLst>
                 <a:ext uri="{91240B29-F687-4f45-9708-019B960494DF}">
-                  <a14:hiddenLine xmlns="" xmlns:a14="http://schemas.microsoft.com/office/drawing/2010/main" w="9525">
+                  <a14:hiddenLine xmlns:a14="http://schemas.microsoft.com/office/drawing/2010/main" xmlns="" w="9525">
                     <a:solidFill>
                       <a:srgbClr val="000000"/>
                     </a:solidFill>
@@ -9142,7 +9142,7 @@
               </a:ln>
               <a:extLst>
                 <a:ext uri="{91240B29-F687-4f45-9708-019B960494DF}">
-                  <a14:hiddenLine xmlns="" xmlns:a14="http://schemas.microsoft.com/office/drawing/2010/main" w="9525">
+                  <a14:hiddenLine xmlns:a14="http://schemas.microsoft.com/office/drawing/2010/main" xmlns="" w="9525">
                     <a:solidFill>
                       <a:srgbClr val="000000"/>
                     </a:solidFill>
@@ -9232,7 +9232,7 @@
               </a:ln>
               <a:extLst>
                 <a:ext uri="{91240B29-F687-4f45-9708-019B960494DF}">
-                  <a14:hiddenLine xmlns="" xmlns:a14="http://schemas.microsoft.com/office/drawing/2010/main" w="9525">
+                  <a14:hiddenLine xmlns:a14="http://schemas.microsoft.com/office/drawing/2010/main" xmlns="" w="9525">
                     <a:solidFill>
                       <a:srgbClr val="000000"/>
                     </a:solidFill>
@@ -9294,7 +9294,7 @@
               </a:ln>
               <a:extLst>
                 <a:ext uri="{91240B29-F687-4f45-9708-019B960494DF}">
-                  <a14:hiddenLine xmlns="" xmlns:a14="http://schemas.microsoft.com/office/drawing/2010/main" w="9525">
+                  <a14:hiddenLine xmlns:a14="http://schemas.microsoft.com/office/drawing/2010/main" xmlns="" w="9525">
                     <a:solidFill>
                       <a:srgbClr val="000000"/>
                     </a:solidFill>
@@ -9384,7 +9384,7 @@
               </a:ln>
               <a:extLst>
                 <a:ext uri="{91240B29-F687-4f45-9708-019B960494DF}">
-                  <a14:hiddenLine xmlns="" xmlns:a14="http://schemas.microsoft.com/office/drawing/2010/main" w="9525">
+                  <a14:hiddenLine xmlns:a14="http://schemas.microsoft.com/office/drawing/2010/main" xmlns="" w="9525">
                     <a:solidFill>
                       <a:srgbClr val="000000"/>
                     </a:solidFill>
@@ -9446,7 +9446,7 @@
               </a:ln>
               <a:extLst>
                 <a:ext uri="{91240B29-F687-4f45-9708-019B960494DF}">
-                  <a14:hiddenLine xmlns="" xmlns:a14="http://schemas.microsoft.com/office/drawing/2010/main" w="9525">
+                  <a14:hiddenLine xmlns:a14="http://schemas.microsoft.com/office/drawing/2010/main" xmlns="" w="9525">
                     <a:solidFill>
                       <a:srgbClr val="000000"/>
                     </a:solidFill>
@@ -9508,7 +9508,7 @@
               </a:ln>
               <a:extLst>
                 <a:ext uri="{91240B29-F687-4f45-9708-019B960494DF}">
-                  <a14:hiddenLine xmlns="" xmlns:a14="http://schemas.microsoft.com/office/drawing/2010/main" w="9525">
+                  <a14:hiddenLine xmlns:a14="http://schemas.microsoft.com/office/drawing/2010/main" xmlns="" w="9525">
                     <a:solidFill>
                       <a:srgbClr val="000000"/>
                     </a:solidFill>
@@ -9598,7 +9598,7 @@
               </a:ln>
               <a:extLst>
                 <a:ext uri="{91240B29-F687-4f45-9708-019B960494DF}">
-                  <a14:hiddenLine xmlns="" xmlns:a14="http://schemas.microsoft.com/office/drawing/2010/main" w="9525">
+                  <a14:hiddenLine xmlns:a14="http://schemas.microsoft.com/office/drawing/2010/main" xmlns="" w="9525">
                     <a:solidFill>
                       <a:srgbClr val="000000"/>
                     </a:solidFill>
@@ -9688,7 +9688,7 @@
               </a:ln>
               <a:extLst>
                 <a:ext uri="{91240B29-F687-4f45-9708-019B960494DF}">
-                  <a14:hiddenLine xmlns="" xmlns:a14="http://schemas.microsoft.com/office/drawing/2010/main" w="9525">
+                  <a14:hiddenLine xmlns:a14="http://schemas.microsoft.com/office/drawing/2010/main" xmlns="" w="9525">
                     <a:solidFill>
                       <a:srgbClr val="000000"/>
                     </a:solidFill>
@@ -9750,7 +9750,7 @@
               </a:ln>
               <a:extLst>
                 <a:ext uri="{91240B29-F687-4f45-9708-019B960494DF}">
-                  <a14:hiddenLine xmlns="" xmlns:a14="http://schemas.microsoft.com/office/drawing/2010/main" w="9525">
+                  <a14:hiddenLine xmlns:a14="http://schemas.microsoft.com/office/drawing/2010/main" xmlns="" w="9525">
                     <a:solidFill>
                       <a:srgbClr val="000000"/>
                     </a:solidFill>
@@ -9860,7 +9860,7 @@
               </a:ln>
               <a:extLst>
                 <a:ext uri="{91240B29-F687-4f45-9708-019B960494DF}">
-                  <a14:hiddenLine xmlns="" xmlns:a14="http://schemas.microsoft.com/office/drawing/2010/main" w="9525">
+                  <a14:hiddenLine xmlns:a14="http://schemas.microsoft.com/office/drawing/2010/main" xmlns="" w="9525">
                     <a:solidFill>
                       <a:srgbClr val="000000"/>
                     </a:solidFill>
@@ -9944,7 +9944,7 @@
               </a:ln>
               <a:extLst>
                 <a:ext uri="{91240B29-F687-4f45-9708-019B960494DF}">
-                  <a14:hiddenLine xmlns="" xmlns:a14="http://schemas.microsoft.com/office/drawing/2010/main" w="9525">
+                  <a14:hiddenLine xmlns:a14="http://schemas.microsoft.com/office/drawing/2010/main" xmlns="" w="9525">
                     <a:solidFill>
                       <a:srgbClr val="000000"/>
                     </a:solidFill>
@@ -10006,7 +10006,7 @@
               </a:ln>
               <a:extLst>
                 <a:ext uri="{91240B29-F687-4f45-9708-019B960494DF}">
-                  <a14:hiddenLine xmlns="" xmlns:a14="http://schemas.microsoft.com/office/drawing/2010/main" w="9525">
+                  <a14:hiddenLine xmlns:a14="http://schemas.microsoft.com/office/drawing/2010/main" xmlns="" w="9525">
                     <a:solidFill>
                       <a:srgbClr val="000000"/>
                     </a:solidFill>
@@ -10068,7 +10068,7 @@
               </a:ln>
               <a:extLst>
                 <a:ext uri="{91240B29-F687-4f45-9708-019B960494DF}">
-                  <a14:hiddenLine xmlns="" xmlns:a14="http://schemas.microsoft.com/office/drawing/2010/main" w="9525">
+                  <a14:hiddenLine xmlns:a14="http://schemas.microsoft.com/office/drawing/2010/main" xmlns="" w="9525">
                     <a:solidFill>
                       <a:srgbClr val="000000"/>
                     </a:solidFill>
@@ -10158,7 +10158,7 @@
               </a:ln>
               <a:extLst>
                 <a:ext uri="{91240B29-F687-4f45-9708-019B960494DF}">
-                  <a14:hiddenLine xmlns="" xmlns:a14="http://schemas.microsoft.com/office/drawing/2010/main" w="9525">
+                  <a14:hiddenLine xmlns:a14="http://schemas.microsoft.com/office/drawing/2010/main" xmlns="" w="9525">
                     <a:solidFill>
                       <a:srgbClr val="000000"/>
                     </a:solidFill>
@@ -10192,7 +10192,7 @@
               </a:ln>
               <a:extLst>
                 <a:ext uri="{91240B29-F687-4f45-9708-019B960494DF}">
-                  <a14:hiddenLine xmlns="" xmlns:a14="http://schemas.microsoft.com/office/drawing/2010/main" w="9525">
+                  <a14:hiddenLine xmlns:a14="http://schemas.microsoft.com/office/drawing/2010/main" xmlns="" w="9525">
                     <a:solidFill>
                       <a:srgbClr val="000000"/>
                     </a:solidFill>
@@ -10257,7 +10257,7 @@
               </a:ln>
               <a:extLst>
                 <a:ext uri="{91240B29-F687-4f45-9708-019B960494DF}">
-                  <a14:hiddenLine xmlns="" xmlns:a14="http://schemas.microsoft.com/office/drawing/2010/main" w="9525">
+                  <a14:hiddenLine xmlns:a14="http://schemas.microsoft.com/office/drawing/2010/main" xmlns="" w="9525">
                     <a:solidFill>
                       <a:srgbClr val="000000"/>
                     </a:solidFill>
@@ -10347,7 +10347,7 @@
               </a:ln>
               <a:extLst>
                 <a:ext uri="{91240B29-F687-4f45-9708-019B960494DF}">
-                  <a14:hiddenLine xmlns="" xmlns:a14="http://schemas.microsoft.com/office/drawing/2010/main" w="9525">
+                  <a14:hiddenLine xmlns:a14="http://schemas.microsoft.com/office/drawing/2010/main" xmlns="" w="9525">
                     <a:solidFill>
                       <a:srgbClr val="000000"/>
                     </a:solidFill>
@@ -10409,7 +10409,7 @@
               </a:ln>
               <a:extLst>
                 <a:ext uri="{91240B29-F687-4f45-9708-019B960494DF}">
-                  <a14:hiddenLine xmlns="" xmlns:a14="http://schemas.microsoft.com/office/drawing/2010/main" w="9525">
+                  <a14:hiddenLine xmlns:a14="http://schemas.microsoft.com/office/drawing/2010/main" xmlns="" w="9525">
                     <a:solidFill>
                       <a:srgbClr val="000000"/>
                     </a:solidFill>
@@ -10499,7 +10499,7 @@
               </a:ln>
               <a:extLst>
                 <a:ext uri="{91240B29-F687-4f45-9708-019B960494DF}">
-                  <a14:hiddenLine xmlns="" xmlns:a14="http://schemas.microsoft.com/office/drawing/2010/main" w="9525">
+                  <a14:hiddenLine xmlns:a14="http://schemas.microsoft.com/office/drawing/2010/main" xmlns="" w="9525">
                     <a:solidFill>
                       <a:srgbClr val="000000"/>
                     </a:solidFill>
@@ -10564,7 +10564,7 @@
               </a:ln>
               <a:extLst>
                 <a:ext uri="{91240B29-F687-4f45-9708-019B960494DF}">
-                  <a14:hiddenLine xmlns="" xmlns:a14="http://schemas.microsoft.com/office/drawing/2010/main" w="9525">
+                  <a14:hiddenLine xmlns:a14="http://schemas.microsoft.com/office/drawing/2010/main" xmlns="" w="9525">
                     <a:solidFill>
                       <a:srgbClr val="000000"/>
                     </a:solidFill>
@@ -10626,7 +10626,7 @@
               </a:ln>
               <a:extLst>
                 <a:ext uri="{91240B29-F687-4f45-9708-019B960494DF}">
-                  <a14:hiddenLine xmlns="" xmlns:a14="http://schemas.microsoft.com/office/drawing/2010/main" w="9525">
+                  <a14:hiddenLine xmlns:a14="http://schemas.microsoft.com/office/drawing/2010/main" xmlns="" w="9525">
                     <a:solidFill>
                       <a:srgbClr val="000000"/>
                     </a:solidFill>
@@ -10716,7 +10716,7 @@
               </a:ln>
               <a:extLst>
                 <a:ext uri="{91240B29-F687-4f45-9708-019B960494DF}">
-                  <a14:hiddenLine xmlns="" xmlns:a14="http://schemas.microsoft.com/office/drawing/2010/main" w="9525">
+                  <a14:hiddenLine xmlns:a14="http://schemas.microsoft.com/office/drawing/2010/main" xmlns="" w="9525">
                     <a:solidFill>
                       <a:srgbClr val="000000"/>
                     </a:solidFill>
@@ -10806,7 +10806,7 @@
               </a:ln>
               <a:extLst>
                 <a:ext uri="{91240B29-F687-4f45-9708-019B960494DF}">
-                  <a14:hiddenLine xmlns="" xmlns:a14="http://schemas.microsoft.com/office/drawing/2010/main" w="9525">
+                  <a14:hiddenLine xmlns:a14="http://schemas.microsoft.com/office/drawing/2010/main" xmlns="" w="9525">
                     <a:solidFill>
                       <a:srgbClr val="000000"/>
                     </a:solidFill>
@@ -10871,7 +10871,7 @@
               </a:ln>
               <a:extLst>
                 <a:ext uri="{91240B29-F687-4f45-9708-019B960494DF}">
-                  <a14:hiddenLine xmlns="" xmlns:a14="http://schemas.microsoft.com/office/drawing/2010/main" w="9525">
+                  <a14:hiddenLine xmlns:a14="http://schemas.microsoft.com/office/drawing/2010/main" xmlns="" w="9525">
                     <a:solidFill>
                       <a:srgbClr val="000000"/>
                     </a:solidFill>
@@ -10991,7 +10991,7 @@
               </a:ln>
               <a:extLst>
                 <a:ext uri="{91240B29-F687-4f45-9708-019B960494DF}">
-                  <a14:hiddenLine xmlns="" xmlns:a14="http://schemas.microsoft.com/office/drawing/2010/main" w="9525">
+                  <a14:hiddenLine xmlns:a14="http://schemas.microsoft.com/office/drawing/2010/main" xmlns="" w="9525">
                     <a:solidFill>
                       <a:srgbClr val="000000"/>
                     </a:solidFill>
@@ -11089,7 +11089,7 @@
               </a:ln>
               <a:extLst>
                 <a:ext uri="{91240B29-F687-4f45-9708-019B960494DF}">
-                  <a14:hiddenLine xmlns="" xmlns:a14="http://schemas.microsoft.com/office/drawing/2010/main" w="9525">
+                  <a14:hiddenLine xmlns:a14="http://schemas.microsoft.com/office/drawing/2010/main" xmlns="" w="9525">
                     <a:solidFill>
                       <a:srgbClr val="000000"/>
                     </a:solidFill>
@@ -11204,7 +11204,7 @@
               </a:ln>
               <a:extLst>
                 <a:ext uri="{91240B29-F687-4f45-9708-019B960494DF}">
-                  <a14:hiddenLine xmlns="" xmlns:a14="http://schemas.microsoft.com/office/drawing/2010/main" w="9525">
+                  <a14:hiddenLine xmlns:a14="http://schemas.microsoft.com/office/drawing/2010/main" xmlns="" w="9525">
                     <a:solidFill>
                       <a:srgbClr val="000000"/>
                     </a:solidFill>
@@ -11294,7 +11294,7 @@
               </a:ln>
               <a:extLst>
                 <a:ext uri="{91240B29-F687-4f45-9708-019B960494DF}">
-                  <a14:hiddenLine xmlns="" xmlns:a14="http://schemas.microsoft.com/office/drawing/2010/main" w="9525">
+                  <a14:hiddenLine xmlns:a14="http://schemas.microsoft.com/office/drawing/2010/main" xmlns="" w="9525">
                     <a:solidFill>
                       <a:srgbClr val="000000"/>
                     </a:solidFill>
@@ -11359,7 +11359,7 @@
               </a:ln>
               <a:extLst>
                 <a:ext uri="{91240B29-F687-4f45-9708-019B960494DF}">
-                  <a14:hiddenLine xmlns="" xmlns:a14="http://schemas.microsoft.com/office/drawing/2010/main" w="9525">
+                  <a14:hiddenLine xmlns:a14="http://schemas.microsoft.com/office/drawing/2010/main" xmlns="" w="9525">
                     <a:solidFill>
                       <a:srgbClr val="000000"/>
                     </a:solidFill>
@@ -11449,7 +11449,7 @@
               </a:ln>
               <a:extLst>
                 <a:ext uri="{91240B29-F687-4f45-9708-019B960494DF}">
-                  <a14:hiddenLine xmlns="" xmlns:a14="http://schemas.microsoft.com/office/drawing/2010/main" w="9525">
+                  <a14:hiddenLine xmlns:a14="http://schemas.microsoft.com/office/drawing/2010/main" xmlns="" w="9525">
                     <a:solidFill>
                       <a:srgbClr val="000000"/>
                     </a:solidFill>
@@ -11517,7 +11517,7 @@
               </a:ln>
               <a:extLst>
                 <a:ext uri="{91240B29-F687-4f45-9708-019B960494DF}">
-                  <a14:hiddenLine xmlns="" xmlns:a14="http://schemas.microsoft.com/office/drawing/2010/main" w="9525">
+                  <a14:hiddenLine xmlns:a14="http://schemas.microsoft.com/office/drawing/2010/main" xmlns="" w="9525">
                     <a:solidFill>
                       <a:srgbClr val="000000"/>
                     </a:solidFill>
@@ -11607,7 +11607,7 @@
               </a:ln>
               <a:extLst>
                 <a:ext uri="{91240B29-F687-4f45-9708-019B960494DF}">
-                  <a14:hiddenLine xmlns="" xmlns:a14="http://schemas.microsoft.com/office/drawing/2010/main" w="9525">
+                  <a14:hiddenLine xmlns:a14="http://schemas.microsoft.com/office/drawing/2010/main" xmlns="" w="9525">
                     <a:solidFill>
                       <a:srgbClr val="000000"/>
                     </a:solidFill>
@@ -11675,7 +11675,7 @@
               </a:ln>
               <a:extLst>
                 <a:ext uri="{91240B29-F687-4f45-9708-019B960494DF}">
-                  <a14:hiddenLine xmlns="" xmlns:a14="http://schemas.microsoft.com/office/drawing/2010/main" w="9525">
+                  <a14:hiddenLine xmlns:a14="http://schemas.microsoft.com/office/drawing/2010/main" xmlns="" w="9525">
                     <a:solidFill>
                       <a:srgbClr val="000000"/>
                     </a:solidFill>
@@ -11765,7 +11765,7 @@
               </a:ln>
               <a:extLst>
                 <a:ext uri="{91240B29-F687-4f45-9708-019B960494DF}">
-                  <a14:hiddenLine xmlns="" xmlns:a14="http://schemas.microsoft.com/office/drawing/2010/main" w="9525">
+                  <a14:hiddenLine xmlns:a14="http://schemas.microsoft.com/office/drawing/2010/main" xmlns="" w="9525">
                     <a:solidFill>
                       <a:srgbClr val="000000"/>
                     </a:solidFill>
@@ -11799,7 +11799,7 @@
               </a:ln>
               <a:extLst>
                 <a:ext uri="{91240B29-F687-4f45-9708-019B960494DF}">
-                  <a14:hiddenLine xmlns="" xmlns:a14="http://schemas.microsoft.com/office/drawing/2010/main" w="9525">
+                  <a14:hiddenLine xmlns:a14="http://schemas.microsoft.com/office/drawing/2010/main" xmlns="" w="9525">
                     <a:solidFill>
                       <a:srgbClr val="000000"/>
                     </a:solidFill>
@@ -14179,23 +14179,7 @@
                 <a:ea typeface="SimSun" panose="02010600030101010101" pitchFamily="2" charset="-122"/>
                 <a:cs typeface="Times New Roman" panose="02020603050405020304" pitchFamily="18" charset="0"/>
               </a:rPr>
-              <a:t>Toronto cluster 1 and 4 is also most prosperous area and both mainly located in financial district near the water in Toronto. Cluster 0 in both cities are the </a:t>
-            </a:r>
-            <a:r>
-              <a:rPr lang="en-US" sz="1600" dirty="0" err="1">
-                <a:latin typeface="Calibri" panose="020F0502020204030204" pitchFamily="34" charset="0"/>
-                <a:ea typeface="SimSun" panose="02010600030101010101" pitchFamily="2" charset="-122"/>
-                <a:cs typeface="Times New Roman" panose="02020603050405020304" pitchFamily="18" charset="0"/>
-              </a:rPr>
-              <a:t>peimeter</a:t>
-            </a:r>
-            <a:r>
-              <a:rPr lang="en-US" sz="1600" dirty="0">
-                <a:latin typeface="Calibri" panose="020F0502020204030204" pitchFamily="34" charset="0"/>
-                <a:ea typeface="SimSun" panose="02010600030101010101" pitchFamily="2" charset="-122"/>
-                <a:cs typeface="Times New Roman" panose="02020603050405020304" pitchFamily="18" charset="0"/>
-              </a:rPr>
-              <a:t> zone. Cluster 2 and 3 are local commercial areas. </a:t>
+              <a:t>Toronto cluster 1 and 4 is also most prosperous area and both mainly located in financial district near the water in Toronto. Cluster 0 in both cities are the perimeter zone. Cluster 2 and 3 are local commercial areas. </a:t>
             </a:r>
           </a:p>
         </p:txBody>
